--- a/session.pptx
+++ b/session.pptx
@@ -197,7 +197,7 @@
           <a:p>
             <a:fld id="{0EE0A817-612A-FB45-B280-AE8FAEB03BF6}" type="datetimeFigureOut">
               <a:rPr kumimoji="1" lang="ja-JP" altLang="en-US" smtClean="0"/>
-              <a:t>2018/1/23</a:t>
+              <a:t>2018/1/25</a:t>
             </a:fld>
             <a:endParaRPr kumimoji="1" lang="ja-JP" altLang="en-US"/>
           </a:p>
@@ -711,7 +711,7 @@
           <a:p>
             <a:fld id="{7482B4CC-7718-A941-8027-87F47512AE04}" type="datetimeFigureOut">
               <a:rPr kumimoji="1" lang="ja-JP" altLang="en-US" smtClean="0"/>
-              <a:t>2018/1/23</a:t>
+              <a:t>2018/1/25</a:t>
             </a:fld>
             <a:endParaRPr kumimoji="1" lang="ja-JP" altLang="en-US"/>
           </a:p>
@@ -913,7 +913,7 @@
           <a:p>
             <a:fld id="{7482B4CC-7718-A941-8027-87F47512AE04}" type="datetimeFigureOut">
               <a:rPr kumimoji="1" lang="ja-JP" altLang="en-US" smtClean="0"/>
-              <a:t>2018/1/23</a:t>
+              <a:t>2018/1/25</a:t>
             </a:fld>
             <a:endParaRPr kumimoji="1" lang="ja-JP" altLang="en-US"/>
           </a:p>
@@ -1125,7 +1125,7 @@
           <a:p>
             <a:fld id="{7482B4CC-7718-A941-8027-87F47512AE04}" type="datetimeFigureOut">
               <a:rPr kumimoji="1" lang="ja-JP" altLang="en-US" smtClean="0"/>
-              <a:t>2018/1/23</a:t>
+              <a:t>2018/1/25</a:t>
             </a:fld>
             <a:endParaRPr kumimoji="1" lang="ja-JP" altLang="en-US"/>
           </a:p>
@@ -1327,7 +1327,7 @@
           <a:p>
             <a:fld id="{7482B4CC-7718-A941-8027-87F47512AE04}" type="datetimeFigureOut">
               <a:rPr kumimoji="1" lang="ja-JP" altLang="en-US" smtClean="0"/>
-              <a:t>2018/1/23</a:t>
+              <a:t>2018/1/25</a:t>
             </a:fld>
             <a:endParaRPr kumimoji="1" lang="ja-JP" altLang="en-US"/>
           </a:p>
@@ -1571,7 +1571,7 @@
           <a:p>
             <a:fld id="{7482B4CC-7718-A941-8027-87F47512AE04}" type="datetimeFigureOut">
               <a:rPr kumimoji="1" lang="ja-JP" altLang="en-US" smtClean="0"/>
-              <a:t>2018/1/23</a:t>
+              <a:t>2018/1/25</a:t>
             </a:fld>
             <a:endParaRPr kumimoji="1" lang="ja-JP" altLang="en-US"/>
           </a:p>
@@ -1867,7 +1867,7 @@
           <a:p>
             <a:fld id="{7482B4CC-7718-A941-8027-87F47512AE04}" type="datetimeFigureOut">
               <a:rPr kumimoji="1" lang="ja-JP" altLang="en-US" smtClean="0"/>
-              <a:t>2018/1/23</a:t>
+              <a:t>2018/1/25</a:t>
             </a:fld>
             <a:endParaRPr kumimoji="1" lang="ja-JP" altLang="en-US"/>
           </a:p>
@@ -2298,7 +2298,7 @@
           <a:p>
             <a:fld id="{7482B4CC-7718-A941-8027-87F47512AE04}" type="datetimeFigureOut">
               <a:rPr kumimoji="1" lang="ja-JP" altLang="en-US" smtClean="0"/>
-              <a:t>2018/1/23</a:t>
+              <a:t>2018/1/25</a:t>
             </a:fld>
             <a:endParaRPr kumimoji="1" lang="ja-JP" altLang="en-US"/>
           </a:p>
@@ -2416,7 +2416,7 @@
           <a:p>
             <a:fld id="{7482B4CC-7718-A941-8027-87F47512AE04}" type="datetimeFigureOut">
               <a:rPr kumimoji="1" lang="ja-JP" altLang="en-US" smtClean="0"/>
-              <a:t>2018/1/23</a:t>
+              <a:t>2018/1/25</a:t>
             </a:fld>
             <a:endParaRPr kumimoji="1" lang="ja-JP" altLang="en-US"/>
           </a:p>
@@ -2511,7 +2511,7 @@
           <a:p>
             <a:fld id="{7482B4CC-7718-A941-8027-87F47512AE04}" type="datetimeFigureOut">
               <a:rPr kumimoji="1" lang="ja-JP" altLang="en-US" smtClean="0"/>
-              <a:t>2018/1/23</a:t>
+              <a:t>2018/1/25</a:t>
             </a:fld>
             <a:endParaRPr kumimoji="1" lang="ja-JP" altLang="en-US"/>
           </a:p>
@@ -2820,7 +2820,7 @@
           <a:p>
             <a:fld id="{7482B4CC-7718-A941-8027-87F47512AE04}" type="datetimeFigureOut">
               <a:rPr kumimoji="1" lang="ja-JP" altLang="en-US" smtClean="0"/>
-              <a:t>2018/1/23</a:t>
+              <a:t>2018/1/25</a:t>
             </a:fld>
             <a:endParaRPr kumimoji="1" lang="ja-JP" altLang="en-US"/>
           </a:p>
@@ -3077,7 +3077,7 @@
           <a:p>
             <a:fld id="{7482B4CC-7718-A941-8027-87F47512AE04}" type="datetimeFigureOut">
               <a:rPr kumimoji="1" lang="ja-JP" altLang="en-US" smtClean="0"/>
-              <a:t>2018/1/23</a:t>
+              <a:t>2018/1/25</a:t>
             </a:fld>
             <a:endParaRPr kumimoji="1" lang="ja-JP" altLang="en-US"/>
           </a:p>
@@ -3322,7 +3322,7 @@
           <a:p>
             <a:fld id="{7482B4CC-7718-A941-8027-87F47512AE04}" type="datetimeFigureOut">
               <a:rPr kumimoji="1" lang="ja-JP" altLang="en-US" smtClean="0"/>
-              <a:t>2018/1/23</a:t>
+              <a:t>2018/1/25</a:t>
             </a:fld>
             <a:endParaRPr kumimoji="1" lang="ja-JP" altLang="en-US"/>
           </a:p>
@@ -3729,6 +3729,442 @@
       </p:grpSpPr>
       <p:sp>
         <p:nvSpPr>
+          <p:cNvPr id="88" name="正方形/長方形 87">
+            <a:extLst>
+              <a:ext uri="{FF2B5EF4-FFF2-40B4-BE49-F238E27FC236}">
+                <a16:creationId xmlns:a16="http://schemas.microsoft.com/office/drawing/2014/main" id="{A3493314-1C2F-514A-B4CD-49D646DDDDFE}"/>
+              </a:ext>
+            </a:extLst>
+          </p:cNvPr>
+          <p:cNvSpPr/>
+          <p:nvPr/>
+        </p:nvSpPr>
+        <p:spPr>
+          <a:xfrm>
+            <a:off x="494903" y="18453823"/>
+            <a:ext cx="29285386" cy="16093909"/>
+          </a:xfrm>
+          <a:prstGeom prst="rect">
+            <a:avLst/>
+          </a:prstGeom>
+        </p:spPr>
+        <p:style>
+          <a:lnRef idx="2">
+            <a:schemeClr val="accent1"/>
+          </a:lnRef>
+          <a:fillRef idx="1">
+            <a:schemeClr val="lt1"/>
+          </a:fillRef>
+          <a:effectRef idx="0">
+            <a:schemeClr val="accent1"/>
+          </a:effectRef>
+          <a:fontRef idx="minor">
+            <a:schemeClr val="dk1"/>
+          </a:fontRef>
+        </p:style>
+        <p:txBody>
+          <a:bodyPr rtlCol="0" anchor="ctr"/>
+          <a:lstStyle/>
+          <a:p>
+            <a:pPr algn="ctr"/>
+            <a:endParaRPr kumimoji="1" lang="ja-JP" altLang="en-US"/>
+          </a:p>
+        </p:txBody>
+      </p:sp>
+      <p:sp>
+        <p:nvSpPr>
+          <p:cNvPr id="90" name="角丸四角形 89">
+            <a:extLst>
+              <a:ext uri="{FF2B5EF4-FFF2-40B4-BE49-F238E27FC236}">
+                <a16:creationId xmlns:a16="http://schemas.microsoft.com/office/drawing/2014/main" id="{86A521D3-D62E-C945-9E37-BBD404477D40}"/>
+              </a:ext>
+            </a:extLst>
+          </p:cNvPr>
+          <p:cNvSpPr/>
+          <p:nvPr/>
+        </p:nvSpPr>
+        <p:spPr>
+          <a:xfrm>
+            <a:off x="16726306" y="25431268"/>
+            <a:ext cx="12921287" cy="8897207"/>
+          </a:xfrm>
+          <a:prstGeom prst="roundRect">
+            <a:avLst/>
+          </a:prstGeom>
+        </p:spPr>
+        <p:style>
+          <a:lnRef idx="2">
+            <a:schemeClr val="accent1"/>
+          </a:lnRef>
+          <a:fillRef idx="1">
+            <a:schemeClr val="lt1"/>
+          </a:fillRef>
+          <a:effectRef idx="0">
+            <a:schemeClr val="accent1"/>
+          </a:effectRef>
+          <a:fontRef idx="minor">
+            <a:schemeClr val="dk1"/>
+          </a:fontRef>
+        </p:style>
+        <p:txBody>
+          <a:bodyPr rtlCol="0" anchor="ctr"/>
+          <a:lstStyle/>
+          <a:p>
+            <a:pPr algn="ctr"/>
+            <a:endParaRPr kumimoji="1" lang="ja-JP" altLang="en-US"/>
+          </a:p>
+        </p:txBody>
+      </p:sp>
+      <p:sp>
+        <p:nvSpPr>
+          <p:cNvPr id="89" name="正方形/長方形 88">
+            <a:extLst>
+              <a:ext uri="{FF2B5EF4-FFF2-40B4-BE49-F238E27FC236}">
+                <a16:creationId xmlns:a16="http://schemas.microsoft.com/office/drawing/2014/main" id="{ADD2E692-E63A-2C48-B019-9AAE38CAD426}"/>
+              </a:ext>
+            </a:extLst>
+          </p:cNvPr>
+          <p:cNvSpPr/>
+          <p:nvPr/>
+        </p:nvSpPr>
+        <p:spPr>
+          <a:xfrm>
+            <a:off x="473627" y="36228244"/>
+            <a:ext cx="29285386" cy="6398363"/>
+          </a:xfrm>
+          <a:prstGeom prst="rect">
+            <a:avLst/>
+          </a:prstGeom>
+        </p:spPr>
+        <p:style>
+          <a:lnRef idx="2">
+            <a:schemeClr val="accent1"/>
+          </a:lnRef>
+          <a:fillRef idx="1">
+            <a:schemeClr val="lt1"/>
+          </a:fillRef>
+          <a:effectRef idx="0">
+            <a:schemeClr val="accent1"/>
+          </a:effectRef>
+          <a:fontRef idx="minor">
+            <a:schemeClr val="dk1"/>
+          </a:fontRef>
+        </p:style>
+        <p:txBody>
+          <a:bodyPr rtlCol="0" anchor="ctr"/>
+          <a:lstStyle/>
+          <a:p>
+            <a:pPr algn="ctr"/>
+            <a:endParaRPr kumimoji="1" lang="ja-JP" altLang="en-US"/>
+          </a:p>
+        </p:txBody>
+      </p:sp>
+      <p:sp>
+        <p:nvSpPr>
+          <p:cNvPr id="86" name="正方形/長方形 85">
+            <a:extLst>
+              <a:ext uri="{FF2B5EF4-FFF2-40B4-BE49-F238E27FC236}">
+                <a16:creationId xmlns:a16="http://schemas.microsoft.com/office/drawing/2014/main" id="{49EEB74E-117D-F54C-8C1E-B8216A4CBD4F}"/>
+              </a:ext>
+            </a:extLst>
+          </p:cNvPr>
+          <p:cNvSpPr/>
+          <p:nvPr/>
+        </p:nvSpPr>
+        <p:spPr>
+          <a:xfrm>
+            <a:off x="494903" y="7785460"/>
+            <a:ext cx="29285386" cy="8934006"/>
+          </a:xfrm>
+          <a:prstGeom prst="rect">
+            <a:avLst/>
+          </a:prstGeom>
+        </p:spPr>
+        <p:style>
+          <a:lnRef idx="2">
+            <a:schemeClr val="accent1"/>
+          </a:lnRef>
+          <a:fillRef idx="1">
+            <a:schemeClr val="lt1"/>
+          </a:fillRef>
+          <a:effectRef idx="0">
+            <a:schemeClr val="accent1"/>
+          </a:effectRef>
+          <a:fontRef idx="minor">
+            <a:schemeClr val="dk1"/>
+          </a:fontRef>
+        </p:style>
+        <p:txBody>
+          <a:bodyPr rtlCol="0" anchor="ctr"/>
+          <a:lstStyle/>
+          <a:p>
+            <a:pPr algn="ctr"/>
+            <a:endParaRPr kumimoji="1" lang="ja-JP" altLang="en-US"/>
+          </a:p>
+        </p:txBody>
+      </p:sp>
+      <p:sp>
+        <p:nvSpPr>
+          <p:cNvPr id="84" name="正方形/長方形 83">
+            <a:extLst>
+              <a:ext uri="{FF2B5EF4-FFF2-40B4-BE49-F238E27FC236}">
+                <a16:creationId xmlns:a16="http://schemas.microsoft.com/office/drawing/2014/main" id="{C65E8E1B-1E0F-EA48-9DC2-D5AC4980EE54}"/>
+              </a:ext>
+            </a:extLst>
+          </p:cNvPr>
+          <p:cNvSpPr/>
+          <p:nvPr/>
+        </p:nvSpPr>
+        <p:spPr>
+          <a:xfrm>
+            <a:off x="19697513" y="32669076"/>
+            <a:ext cx="9628494" cy="613631"/>
+          </a:xfrm>
+          <a:prstGeom prst="rect">
+            <a:avLst/>
+          </a:prstGeom>
+          <a:solidFill>
+            <a:srgbClr val="CA0000"/>
+          </a:solidFill>
+          <a:ln>
+            <a:solidFill>
+              <a:srgbClr val="CA0000"/>
+            </a:solidFill>
+          </a:ln>
+        </p:spPr>
+        <p:style>
+          <a:lnRef idx="2">
+            <a:schemeClr val="accent1">
+              <a:shade val="50000"/>
+            </a:schemeClr>
+          </a:lnRef>
+          <a:fillRef idx="1">
+            <a:schemeClr val="accent1"/>
+          </a:fillRef>
+          <a:effectRef idx="0">
+            <a:schemeClr val="accent1"/>
+          </a:effectRef>
+          <a:fontRef idx="minor">
+            <a:schemeClr val="lt1"/>
+          </a:fontRef>
+        </p:style>
+        <p:txBody>
+          <a:bodyPr rtlCol="0" anchor="ctr"/>
+          <a:lstStyle/>
+          <a:p>
+            <a:pPr algn="ctr"/>
+            <a:endParaRPr kumimoji="1" lang="ja-JP" altLang="en-US"/>
+          </a:p>
+        </p:txBody>
+      </p:sp>
+      <p:sp>
+        <p:nvSpPr>
+          <p:cNvPr id="83" name="正方形/長方形 82">
+            <a:extLst>
+              <a:ext uri="{FF2B5EF4-FFF2-40B4-BE49-F238E27FC236}">
+                <a16:creationId xmlns:a16="http://schemas.microsoft.com/office/drawing/2014/main" id="{099DDEED-A96D-6140-ADB5-676D2277BEBB}"/>
+              </a:ext>
+            </a:extLst>
+          </p:cNvPr>
+          <p:cNvSpPr/>
+          <p:nvPr/>
+        </p:nvSpPr>
+        <p:spPr>
+          <a:xfrm>
+            <a:off x="18989953" y="31347596"/>
+            <a:ext cx="9509376" cy="712032"/>
+          </a:xfrm>
+          <a:prstGeom prst="rect">
+            <a:avLst/>
+          </a:prstGeom>
+          <a:solidFill>
+            <a:srgbClr val="B14EFF"/>
+          </a:solidFill>
+          <a:ln>
+            <a:solidFill>
+              <a:srgbClr val="B851FF"/>
+            </a:solidFill>
+          </a:ln>
+        </p:spPr>
+        <p:style>
+          <a:lnRef idx="2">
+            <a:schemeClr val="accent1">
+              <a:shade val="50000"/>
+            </a:schemeClr>
+          </a:lnRef>
+          <a:fillRef idx="1">
+            <a:schemeClr val="accent1"/>
+          </a:fillRef>
+          <a:effectRef idx="0">
+            <a:schemeClr val="accent1"/>
+          </a:effectRef>
+          <a:fontRef idx="minor">
+            <a:schemeClr val="lt1"/>
+          </a:fontRef>
+        </p:style>
+        <p:txBody>
+          <a:bodyPr rtlCol="0" anchor="ctr"/>
+          <a:lstStyle/>
+          <a:p>
+            <a:pPr algn="ctr"/>
+            <a:endParaRPr kumimoji="1" lang="ja-JP" altLang="en-US"/>
+          </a:p>
+        </p:txBody>
+      </p:sp>
+      <p:sp>
+        <p:nvSpPr>
+          <p:cNvPr id="82" name="正方形/長方形 81">
+            <a:extLst>
+              <a:ext uri="{FF2B5EF4-FFF2-40B4-BE49-F238E27FC236}">
+                <a16:creationId xmlns:a16="http://schemas.microsoft.com/office/drawing/2014/main" id="{76D93B81-1FBA-464E-A9C8-CE41F932F708}"/>
+              </a:ext>
+            </a:extLst>
+          </p:cNvPr>
+          <p:cNvSpPr/>
+          <p:nvPr/>
+        </p:nvSpPr>
+        <p:spPr>
+          <a:xfrm>
+            <a:off x="18907426" y="30275976"/>
+            <a:ext cx="9509376" cy="712032"/>
+          </a:xfrm>
+          <a:prstGeom prst="rect">
+            <a:avLst/>
+          </a:prstGeom>
+          <a:solidFill>
+            <a:srgbClr val="B14EFF"/>
+          </a:solidFill>
+          <a:ln>
+            <a:solidFill>
+              <a:srgbClr val="B851FF"/>
+            </a:solidFill>
+          </a:ln>
+        </p:spPr>
+        <p:style>
+          <a:lnRef idx="2">
+            <a:schemeClr val="accent1">
+              <a:shade val="50000"/>
+            </a:schemeClr>
+          </a:lnRef>
+          <a:fillRef idx="1">
+            <a:schemeClr val="accent1"/>
+          </a:fillRef>
+          <a:effectRef idx="0">
+            <a:schemeClr val="accent1"/>
+          </a:effectRef>
+          <a:fontRef idx="minor">
+            <a:schemeClr val="lt1"/>
+          </a:fontRef>
+        </p:style>
+        <p:txBody>
+          <a:bodyPr rtlCol="0" anchor="ctr"/>
+          <a:lstStyle/>
+          <a:p>
+            <a:pPr algn="ctr"/>
+            <a:endParaRPr kumimoji="1" lang="ja-JP" altLang="en-US"/>
+          </a:p>
+        </p:txBody>
+      </p:sp>
+      <p:sp>
+        <p:nvSpPr>
+          <p:cNvPr id="80" name="正方形/長方形 79">
+            <a:extLst>
+              <a:ext uri="{FF2B5EF4-FFF2-40B4-BE49-F238E27FC236}">
+                <a16:creationId xmlns:a16="http://schemas.microsoft.com/office/drawing/2014/main" id="{A9413DB7-ABE1-E546-8868-165C30CB5093}"/>
+              </a:ext>
+            </a:extLst>
+          </p:cNvPr>
+          <p:cNvSpPr/>
+          <p:nvPr/>
+        </p:nvSpPr>
+        <p:spPr>
+          <a:xfrm>
+            <a:off x="18272124" y="28872629"/>
+            <a:ext cx="10185344" cy="759360"/>
+          </a:xfrm>
+          <a:prstGeom prst="rect">
+            <a:avLst/>
+          </a:prstGeom>
+          <a:solidFill>
+            <a:schemeClr val="accent4"/>
+          </a:solidFill>
+          <a:ln>
+            <a:solidFill>
+              <a:schemeClr val="accent4"/>
+            </a:solidFill>
+          </a:ln>
+        </p:spPr>
+        <p:style>
+          <a:lnRef idx="2">
+            <a:schemeClr val="accent1">
+              <a:shade val="50000"/>
+            </a:schemeClr>
+          </a:lnRef>
+          <a:fillRef idx="1">
+            <a:schemeClr val="accent1"/>
+          </a:fillRef>
+          <a:effectRef idx="0">
+            <a:schemeClr val="accent1"/>
+          </a:effectRef>
+          <a:fontRef idx="minor">
+            <a:schemeClr val="lt1"/>
+          </a:fontRef>
+        </p:style>
+        <p:txBody>
+          <a:bodyPr rtlCol="0" anchor="ctr"/>
+          <a:lstStyle/>
+          <a:p>
+            <a:pPr algn="ctr"/>
+            <a:endParaRPr kumimoji="1" lang="ja-JP" altLang="en-US"/>
+          </a:p>
+        </p:txBody>
+      </p:sp>
+      <p:sp>
+        <p:nvSpPr>
+          <p:cNvPr id="63" name="角丸四角形 62">
+            <a:extLst>
+              <a:ext uri="{FF2B5EF4-FFF2-40B4-BE49-F238E27FC236}">
+                <a16:creationId xmlns:a16="http://schemas.microsoft.com/office/drawing/2014/main" id="{60A93C0C-1477-8C45-B805-2F406E7F6B75}"/>
+              </a:ext>
+            </a:extLst>
+          </p:cNvPr>
+          <p:cNvSpPr/>
+          <p:nvPr/>
+        </p:nvSpPr>
+        <p:spPr>
+          <a:xfrm>
+            <a:off x="773004" y="25431268"/>
+            <a:ext cx="15525047" cy="8897207"/>
+          </a:xfrm>
+          <a:prstGeom prst="roundRect">
+            <a:avLst/>
+          </a:prstGeom>
+        </p:spPr>
+        <p:style>
+          <a:lnRef idx="2">
+            <a:schemeClr val="accent1"/>
+          </a:lnRef>
+          <a:fillRef idx="1">
+            <a:schemeClr val="lt1"/>
+          </a:fillRef>
+          <a:effectRef idx="0">
+            <a:schemeClr val="accent1"/>
+          </a:effectRef>
+          <a:fontRef idx="minor">
+            <a:schemeClr val="dk1"/>
+          </a:fontRef>
+        </p:style>
+        <p:txBody>
+          <a:bodyPr rtlCol="0" anchor="ctr"/>
+          <a:lstStyle/>
+          <a:p>
+            <a:pPr algn="ctr"/>
+            <a:endParaRPr kumimoji="1" lang="ja-JP" altLang="en-US"/>
+          </a:p>
+        </p:txBody>
+      </p:sp>
+      <p:sp>
+        <p:nvSpPr>
           <p:cNvPr id="11" name="角丸四角形 10">
             <a:extLst>
               <a:ext uri="{FF2B5EF4-FFF2-40B4-BE49-F238E27FC236}">
@@ -3741,8 +4177,8 @@
         </p:nvSpPr>
         <p:spPr>
           <a:xfrm>
-            <a:off x="1486910" y="1003295"/>
-            <a:ext cx="27301371" cy="5157369"/>
+            <a:off x="659593" y="625658"/>
+            <a:ext cx="29019995" cy="5157369"/>
           </a:xfrm>
           <a:prstGeom prst="roundRect">
             <a:avLst/>
@@ -3793,7 +4229,7 @@
           <a:lstStyle/>
           <a:p>
             <a:pPr algn="ctr"/>
-            <a:endParaRPr lang="ja-JP" altLang="en-US" sz="9762"/>
+            <a:endParaRPr lang="ja-JP" altLang="en-US" sz="9762" dirty="0"/>
           </a:p>
         </p:txBody>
       </p:sp>
@@ -3811,8 +4247,8 @@
         </p:nvSpPr>
         <p:spPr>
           <a:xfrm>
-            <a:off x="1486910" y="1387845"/>
-            <a:ext cx="27301372" cy="3170099"/>
+            <a:off x="956978" y="998310"/>
+            <a:ext cx="28690615" cy="3323987"/>
           </a:xfrm>
           <a:prstGeom prst="rect">
             <a:avLst/>
@@ -3827,7 +4263,7 @@
           <a:p>
             <a:pPr algn="ctr"/>
             <a:r>
-              <a:rPr lang="ja-JP" altLang="en-US" sz="10000" b="1" dirty="0">
+              <a:rPr lang="ja-JP" altLang="en-US" sz="10500" b="1" dirty="0">
                 <a:solidFill>
                   <a:schemeClr val="bg1"/>
                 </a:solidFill>
@@ -3836,7 +4272,7 @@
               </a:rPr>
               <a:t>決定木を用いた</a:t>
             </a:r>
-            <a:endParaRPr lang="en-US" altLang="ja-JP" sz="10000" b="1" dirty="0">
+            <a:endParaRPr lang="en-US" altLang="ja-JP" sz="10500" b="1" dirty="0">
               <a:solidFill>
                 <a:schemeClr val="bg1"/>
               </a:solidFill>
@@ -3847,7 +4283,7 @@
           <a:p>
             <a:pPr algn="ctr"/>
             <a:r>
-              <a:rPr lang="en-US" altLang="ja-JP" sz="10000" b="1" dirty="0">
+              <a:rPr lang="en-US" altLang="ja-JP" sz="10500" b="1" dirty="0">
                 <a:solidFill>
                   <a:schemeClr val="bg1"/>
                 </a:solidFill>
@@ -3857,7 +4293,7 @@
               <a:t>Drive-by Download</a:t>
             </a:r>
             <a:r>
-              <a:rPr lang="ja-JP" altLang="en-US" sz="10000" b="1" dirty="0">
+              <a:rPr lang="ja-JP" altLang="en-US" sz="10500" b="1" dirty="0">
                 <a:solidFill>
                   <a:schemeClr val="bg1"/>
                 </a:solidFill>
@@ -3935,14 +4371,14 @@
           <a:lstStyle/>
           <a:p>
             <a:r>
-              <a:rPr lang="en-US" altLang="ja-JP" sz="8000" b="1" dirty="0">
+              <a:rPr lang="en-US" altLang="ja-JP" sz="8500" b="1" dirty="0">
                 <a:latin typeface="Meiryo" panose="020B0604030504040204" pitchFamily="34" charset="-128"/>
                 <a:ea typeface="Meiryo" panose="020B0604030504040204" pitchFamily="34" charset="-128"/>
               </a:rPr>
               <a:t>1. </a:t>
             </a:r>
             <a:r>
-              <a:rPr lang="ja-JP" altLang="en-US" sz="8000" b="1" dirty="0">
+              <a:rPr lang="ja-JP" altLang="en-US" sz="8500" b="1" dirty="0">
                 <a:latin typeface="Meiryo" panose="020B0604030504040204" pitchFamily="34" charset="-128"/>
                 <a:ea typeface="Meiryo" panose="020B0604030504040204" pitchFamily="34" charset="-128"/>
               </a:rPr>
@@ -3965,8 +4401,8 @@
         </p:nvSpPr>
         <p:spPr>
           <a:xfrm>
-            <a:off x="10419285" y="4632472"/>
-            <a:ext cx="9436619" cy="1323439"/>
+            <a:off x="9795918" y="4341555"/>
+            <a:ext cx="10747343" cy="1400383"/>
           </a:xfrm>
           <a:prstGeom prst="rect">
             <a:avLst/>
@@ -3981,7 +4417,7 @@
           <a:p>
             <a:pPr algn="ctr"/>
             <a:r>
-              <a:rPr lang="ja-JP" altLang="en-US" sz="8000" b="1" dirty="0">
+              <a:rPr lang="ja-JP" altLang="en-US" sz="8500" b="1" dirty="0">
                 <a:solidFill>
                   <a:schemeClr val="bg1"/>
                 </a:solidFill>
@@ -3991,7 +4427,7 @@
               <a:t>情</a:t>
             </a:r>
             <a:r>
-              <a:rPr lang="en-US" altLang="ja-JP" sz="8000" b="1" dirty="0">
+              <a:rPr lang="en-US" altLang="ja-JP" sz="8500" b="1" dirty="0">
                 <a:solidFill>
                   <a:schemeClr val="bg1"/>
                 </a:solidFill>
@@ -4001,7 +4437,7 @@
               <a:t>14-99 </a:t>
             </a:r>
             <a:r>
-              <a:rPr lang="ja-JP" altLang="en-US" sz="8000" b="1" dirty="0">
+              <a:rPr lang="ja-JP" altLang="en-US" sz="8500" b="1" dirty="0">
                 <a:solidFill>
                   <a:schemeClr val="bg1"/>
                 </a:solidFill>
@@ -4010,159 +4446,6 @@
               </a:rPr>
               <a:t>尾崎 幸也</a:t>
             </a:r>
-          </a:p>
-        </p:txBody>
-      </p:sp>
-      <p:sp>
-        <p:nvSpPr>
-          <p:cNvPr id="14" name="対角する 2 つの角を丸めた四角形 13">
-            <a:extLst>
-              <a:ext uri="{FF2B5EF4-FFF2-40B4-BE49-F238E27FC236}">
-                <a16:creationId xmlns:a16="http://schemas.microsoft.com/office/drawing/2014/main" id="{FA804F42-5D3C-6B44-86C3-873C0D601176}"/>
-              </a:ext>
-            </a:extLst>
-          </p:cNvPr>
-          <p:cNvSpPr/>
-          <p:nvPr/>
-        </p:nvSpPr>
-        <p:spPr>
-          <a:xfrm>
-            <a:off x="494905" y="7818168"/>
-            <a:ext cx="29285386" cy="8778186"/>
-          </a:xfrm>
-          <a:prstGeom prst="round2DiagRect">
-            <a:avLst/>
-          </a:prstGeom>
-          <a:ln>
-            <a:solidFill>
-              <a:schemeClr val="accent1">
-                <a:lumMod val="75000"/>
-              </a:schemeClr>
-            </a:solidFill>
-          </a:ln>
-        </p:spPr>
-        <p:style>
-          <a:lnRef idx="2">
-            <a:schemeClr val="accent6"/>
-          </a:lnRef>
-          <a:fillRef idx="1">
-            <a:schemeClr val="lt1"/>
-          </a:fillRef>
-          <a:effectRef idx="0">
-            <a:schemeClr val="accent6"/>
-          </a:effectRef>
-          <a:fontRef idx="minor">
-            <a:schemeClr val="dk1"/>
-          </a:fontRef>
-        </p:style>
-        <p:txBody>
-          <a:bodyPr rtlCol="0" anchor="ctr"/>
-          <a:lstStyle/>
-          <a:p>
-            <a:pPr algn="ctr"/>
-            <a:endParaRPr lang="ja-JP" altLang="en-US" sz="9762" dirty="0"/>
-          </a:p>
-        </p:txBody>
-      </p:sp>
-      <p:sp>
-        <p:nvSpPr>
-          <p:cNvPr id="15" name="対角する 2 つの角を丸めた四角形 14">
-            <a:extLst>
-              <a:ext uri="{FF2B5EF4-FFF2-40B4-BE49-F238E27FC236}">
-                <a16:creationId xmlns:a16="http://schemas.microsoft.com/office/drawing/2014/main" id="{78ABAD00-CF8F-AA40-ACE0-131B9B467BAD}"/>
-              </a:ext>
-            </a:extLst>
-          </p:cNvPr>
-          <p:cNvSpPr/>
-          <p:nvPr/>
-        </p:nvSpPr>
-        <p:spPr>
-          <a:xfrm>
-            <a:off x="494905" y="18334509"/>
-            <a:ext cx="29285386" cy="16213224"/>
-          </a:xfrm>
-          <a:prstGeom prst="round2DiagRect">
-            <a:avLst/>
-          </a:prstGeom>
-          <a:ln>
-            <a:solidFill>
-              <a:schemeClr val="accent1">
-                <a:lumMod val="75000"/>
-              </a:schemeClr>
-            </a:solidFill>
-          </a:ln>
-        </p:spPr>
-        <p:style>
-          <a:lnRef idx="2">
-            <a:schemeClr val="accent6"/>
-          </a:lnRef>
-          <a:fillRef idx="1">
-            <a:schemeClr val="lt1"/>
-          </a:fillRef>
-          <a:effectRef idx="0">
-            <a:schemeClr val="accent6"/>
-          </a:effectRef>
-          <a:fontRef idx="minor">
-            <a:schemeClr val="dk1"/>
-          </a:fontRef>
-        </p:style>
-        <p:txBody>
-          <a:bodyPr rtlCol="0" anchor="ctr"/>
-          <a:lstStyle/>
-          <a:p>
-            <a:pPr algn="ctr"/>
-            <a:endParaRPr lang="ja-JP" altLang="en-US" sz="9762"/>
-          </a:p>
-        </p:txBody>
-      </p:sp>
-      <p:sp>
-        <p:nvSpPr>
-          <p:cNvPr id="16" name="対角する 2 つの角を丸めた四角形 15">
-            <a:extLst>
-              <a:ext uri="{FF2B5EF4-FFF2-40B4-BE49-F238E27FC236}">
-                <a16:creationId xmlns:a16="http://schemas.microsoft.com/office/drawing/2014/main" id="{ED10755C-7327-B74A-8722-41361AEF223F}"/>
-              </a:ext>
-            </a:extLst>
-          </p:cNvPr>
-          <p:cNvSpPr/>
-          <p:nvPr/>
-        </p:nvSpPr>
-        <p:spPr>
-          <a:xfrm>
-            <a:off x="494903" y="36314743"/>
-            <a:ext cx="29285386" cy="6089060"/>
-          </a:xfrm>
-          <a:prstGeom prst="round2DiagRect">
-            <a:avLst/>
-          </a:prstGeom>
-          <a:ln>
-            <a:solidFill>
-              <a:schemeClr val="accent1">
-                <a:lumMod val="75000"/>
-              </a:schemeClr>
-            </a:solidFill>
-          </a:ln>
-        </p:spPr>
-        <p:style>
-          <a:lnRef idx="2">
-            <a:schemeClr val="accent6"/>
-          </a:lnRef>
-          <a:fillRef idx="1">
-            <a:schemeClr val="lt1"/>
-          </a:fillRef>
-          <a:effectRef idx="0">
-            <a:schemeClr val="accent6"/>
-          </a:effectRef>
-          <a:fontRef idx="minor">
-            <a:schemeClr val="dk1"/>
-          </a:fontRef>
-        </p:style>
-        <p:txBody>
-          <a:bodyPr rtlCol="0" anchor="ctr"/>
-          <a:lstStyle/>
-          <a:p>
-            <a:pPr algn="ctr"/>
-            <a:endParaRPr lang="ja-JP" altLang="en-US" sz="9762"/>
           </a:p>
         </p:txBody>
       </p:sp>
@@ -4232,14 +4515,14 @@
           <a:lstStyle/>
           <a:p>
             <a:r>
-              <a:rPr lang="en-US" altLang="ja-JP" sz="8000" b="1" dirty="0">
+              <a:rPr lang="en-US" altLang="ja-JP" sz="8500" b="1" dirty="0">
                 <a:latin typeface="Meiryo" panose="020B0604030504040204" pitchFamily="34" charset="-128"/>
                 <a:ea typeface="Meiryo" panose="020B0604030504040204" pitchFamily="34" charset="-128"/>
               </a:rPr>
               <a:t>2. </a:t>
             </a:r>
             <a:r>
-              <a:rPr lang="ja-JP" altLang="en-US" sz="8000" b="1" dirty="0">
+              <a:rPr lang="ja-JP" altLang="en-US" sz="8500" b="1" dirty="0">
                 <a:latin typeface="Meiryo" panose="020B0604030504040204" pitchFamily="34" charset="-128"/>
                 <a:ea typeface="Meiryo" panose="020B0604030504040204" pitchFamily="34" charset="-128"/>
               </a:rPr>
@@ -5734,7 +6017,7 @@
           <p:spPr>
             <a:xfrm>
               <a:off x="16470433" y="8643225"/>
-              <a:ext cx="4367915" cy="1423213"/>
+              <a:ext cx="4367915" cy="1697186"/>
             </a:xfrm>
             <a:prstGeom prst="rect">
               <a:avLst/>
@@ -5749,13 +6032,13 @@
             <a:p>
               <a:pPr algn="ctr"/>
               <a:r>
-                <a:rPr kumimoji="1" lang="ja-JP" altLang="en-US" sz="4800" b="1" dirty="0">
+                <a:rPr kumimoji="1" lang="ja-JP" altLang="en-US" sz="5000" b="1" dirty="0">
                   <a:latin typeface="Meiryo" panose="020B0604030504040204" pitchFamily="34" charset="-128"/>
                   <a:ea typeface="Meiryo" panose="020B0604030504040204" pitchFamily="34" charset="-128"/>
                 </a:rPr>
                 <a:t>改ざんされた</a:t>
               </a:r>
-              <a:endParaRPr kumimoji="1" lang="en-US" altLang="ja-JP" sz="4800" b="1" dirty="0">
+              <a:endParaRPr kumimoji="1" lang="en-US" altLang="ja-JP" sz="5000" b="1" dirty="0">
                 <a:latin typeface="Meiryo" panose="020B0604030504040204" pitchFamily="34" charset="-128"/>
                 <a:ea typeface="Meiryo" panose="020B0604030504040204" pitchFamily="34" charset="-128"/>
               </a:endParaRPr>
@@ -5763,14 +6046,14 @@
             <a:p>
               <a:pPr algn="ctr"/>
               <a:r>
-                <a:rPr kumimoji="1" lang="en-US" altLang="ja-JP" sz="4800" b="1" dirty="0">
+                <a:rPr kumimoji="1" lang="en-US" altLang="ja-JP" sz="5000" b="1" dirty="0">
                   <a:latin typeface="Meiryo" panose="020B0604030504040204" pitchFamily="34" charset="-128"/>
                   <a:ea typeface="Meiryo" panose="020B0604030504040204" pitchFamily="34" charset="-128"/>
                 </a:rPr>
                 <a:t>Web</a:t>
               </a:r>
               <a:r>
-                <a:rPr kumimoji="1" lang="ja-JP" altLang="en-US" sz="4800" b="1" dirty="0">
+                <a:rPr kumimoji="1" lang="ja-JP" altLang="en-US" sz="5000" b="1" dirty="0">
                   <a:latin typeface="Meiryo" panose="020B0604030504040204" pitchFamily="34" charset="-128"/>
                   <a:ea typeface="Meiryo" panose="020B0604030504040204" pitchFamily="34" charset="-128"/>
                 </a:rPr>
@@ -5794,7 +6077,7 @@
           <p:spPr>
             <a:xfrm>
               <a:off x="16083940" y="12446177"/>
-              <a:ext cx="4938926" cy="753466"/>
+              <a:ext cx="4938926" cy="896626"/>
             </a:xfrm>
             <a:prstGeom prst="rect">
               <a:avLst/>
@@ -5809,7 +6092,7 @@
             <a:p>
               <a:pPr algn="ctr"/>
               <a:r>
-                <a:rPr kumimoji="1" lang="ja-JP" altLang="en-US" sz="4800" b="1" dirty="0">
+                <a:rPr kumimoji="1" lang="ja-JP" altLang="en-US" sz="5000" b="1" dirty="0">
                   <a:latin typeface="Meiryo" panose="020B0604030504040204" pitchFamily="34" charset="-128"/>
                   <a:ea typeface="Meiryo" panose="020B0604030504040204" pitchFamily="34" charset="-128"/>
                 </a:rPr>
@@ -5833,7 +6116,7 @@
           <p:spPr>
             <a:xfrm>
               <a:off x="18104259" y="14974960"/>
-              <a:ext cx="3636813" cy="1423213"/>
+              <a:ext cx="3636813" cy="1697186"/>
             </a:xfrm>
             <a:prstGeom prst="rect">
               <a:avLst/>
@@ -5848,13 +6131,13 @@
             <a:p>
               <a:pPr algn="ctr"/>
               <a:r>
-                <a:rPr kumimoji="1" lang="ja-JP" altLang="en-US" sz="4800" b="1" dirty="0">
+                <a:rPr kumimoji="1" lang="ja-JP" altLang="en-US" sz="5000" b="1" dirty="0">
                   <a:latin typeface="Meiryo" panose="020B0604030504040204" pitchFamily="34" charset="-128"/>
                   <a:ea typeface="Meiryo" panose="020B0604030504040204" pitchFamily="34" charset="-128"/>
                 </a:rPr>
                 <a:t>マルウェア</a:t>
               </a:r>
-              <a:endParaRPr kumimoji="1" lang="en-US" altLang="ja-JP" sz="4800" b="1" dirty="0">
+              <a:endParaRPr kumimoji="1" lang="en-US" altLang="ja-JP" sz="5000" b="1" dirty="0">
                 <a:latin typeface="Meiryo" panose="020B0604030504040204" pitchFamily="34" charset="-128"/>
                 <a:ea typeface="Meiryo" panose="020B0604030504040204" pitchFamily="34" charset="-128"/>
               </a:endParaRPr>
@@ -5862,13 +6145,13 @@
             <a:p>
               <a:pPr algn="ctr"/>
               <a:r>
-                <a:rPr lang="ja-JP" altLang="en-US" sz="4800" b="1" dirty="0">
+                <a:rPr lang="ja-JP" altLang="en-US" sz="5000" b="1" dirty="0">
                   <a:latin typeface="Meiryo" panose="020B0604030504040204" pitchFamily="34" charset="-128"/>
                   <a:ea typeface="Meiryo" panose="020B0604030504040204" pitchFamily="34" charset="-128"/>
                 </a:rPr>
                 <a:t>配布サーバ</a:t>
               </a:r>
-              <a:endParaRPr kumimoji="1" lang="ja-JP" altLang="en-US" sz="4800" b="1" dirty="0">
+              <a:endParaRPr kumimoji="1" lang="ja-JP" altLang="en-US" sz="5000" b="1" dirty="0">
                 <a:latin typeface="Meiryo" panose="020B0604030504040204" pitchFamily="34" charset="-128"/>
                 <a:ea typeface="Meiryo" panose="020B0604030504040204" pitchFamily="34" charset="-128"/>
               </a:endParaRPr>
@@ -5890,8 +6173,8 @@
         </p:nvSpPr>
         <p:spPr>
           <a:xfrm>
-            <a:off x="1089488" y="8583320"/>
-            <a:ext cx="15974732" cy="7478970"/>
+            <a:off x="782136" y="8363419"/>
+            <a:ext cx="15974732" cy="7725192"/>
           </a:xfrm>
           <a:prstGeom prst="rect">
             <a:avLst/>
@@ -5912,47 +6195,47 @@
               <a:t>　</a:t>
             </a:r>
             <a:r>
-              <a:rPr lang="en-US" altLang="ja-JP" sz="6000" dirty="0">
+              <a:rPr lang="en-US" altLang="ja-JP" sz="6200" dirty="0">
                 <a:latin typeface="Meiryo" panose="020B0604030504040204" pitchFamily="34" charset="-128"/>
                 <a:ea typeface="Meiryo" panose="020B0604030504040204" pitchFamily="34" charset="-128"/>
               </a:rPr>
               <a:t>Drive-by Download</a:t>
             </a:r>
             <a:r>
-              <a:rPr lang="ja-JP" altLang="en-US" sz="6000" dirty="0">
+              <a:rPr lang="ja-JP" altLang="en-US" sz="6200" dirty="0">
                 <a:latin typeface="Meiryo" panose="020B0604030504040204" pitchFamily="34" charset="-128"/>
                 <a:ea typeface="Meiryo" panose="020B0604030504040204" pitchFamily="34" charset="-128"/>
               </a:rPr>
               <a:t>攻撃の被害は依然としてとどまらない．この攻撃は，リダイレクトに用いるスクリプトタグ等を難読化することで解析の妨害を行う．その為，攻撃の解析が非常に困難である．</a:t>
             </a:r>
-            <a:endParaRPr lang="en-US" altLang="ja-JP" sz="6000" dirty="0">
+            <a:endParaRPr lang="en-US" altLang="ja-JP" sz="6200" dirty="0">
               <a:latin typeface="Meiryo" panose="020B0604030504040204" pitchFamily="34" charset="-128"/>
               <a:ea typeface="Meiryo" panose="020B0604030504040204" pitchFamily="34" charset="-128"/>
             </a:endParaRPr>
           </a:p>
           <a:p>
             <a:r>
-              <a:rPr lang="ja-JP" altLang="en-US" sz="6000" dirty="0">
+              <a:rPr lang="ja-JP" altLang="en-US" sz="6200" dirty="0">
                 <a:latin typeface="Meiryo" panose="020B0604030504040204" pitchFamily="34" charset="-128"/>
                 <a:ea typeface="Meiryo" panose="020B0604030504040204" pitchFamily="34" charset="-128"/>
               </a:rPr>
               <a:t>　そこで本研究では，</a:t>
             </a:r>
             <a:r>
-              <a:rPr lang="en-US" altLang="ja-JP" sz="6000" dirty="0">
+              <a:rPr lang="en-US" altLang="ja-JP" sz="6200" dirty="0">
                 <a:latin typeface="Meiryo" panose="020B0604030504040204" pitchFamily="34" charset="-128"/>
                 <a:ea typeface="Meiryo" panose="020B0604030504040204" pitchFamily="34" charset="-128"/>
               </a:rPr>
               <a:t>Drive-by Download</a:t>
             </a:r>
             <a:r>
-              <a:rPr lang="ja-JP" altLang="en-US" sz="6000" dirty="0">
+              <a:rPr lang="ja-JP" altLang="en-US" sz="6200" dirty="0">
                 <a:latin typeface="Meiryo" panose="020B0604030504040204" pitchFamily="34" charset="-128"/>
                 <a:ea typeface="Meiryo" panose="020B0604030504040204" pitchFamily="34" charset="-128"/>
               </a:rPr>
               <a:t>攻撃の解析を支援するアプリケーションを開発することで，解析作業の効率化を目指す．</a:t>
             </a:r>
-            <a:endParaRPr lang="en-US" altLang="ja-JP" sz="6000" dirty="0">
+            <a:endParaRPr lang="en-US" altLang="ja-JP" sz="6200" dirty="0">
               <a:latin typeface="Meiryo" panose="020B0604030504040204" pitchFamily="34" charset="-128"/>
               <a:ea typeface="Meiryo" panose="020B0604030504040204" pitchFamily="34" charset="-128"/>
             </a:endParaRPr>
@@ -6026,14 +6309,14 @@
           <a:p>
             <a:pPr algn="ctr"/>
             <a:r>
-              <a:rPr kumimoji="1" lang="en-US" altLang="ja-JP" b="1" dirty="0">
+              <a:rPr kumimoji="1" lang="en-US" altLang="ja-JP" sz="7000" b="1" dirty="0">
                 <a:latin typeface="Meiryo" panose="020B0604030504040204" pitchFamily="34" charset="-128"/>
                 <a:ea typeface="Meiryo" panose="020B0604030504040204" pitchFamily="34" charset="-128"/>
               </a:rPr>
               <a:t>Drive-by Download</a:t>
             </a:r>
             <a:r>
-              <a:rPr kumimoji="1" lang="ja-JP" altLang="en-US" b="1" dirty="0">
+              <a:rPr kumimoji="1" lang="ja-JP" altLang="en-US" sz="7000" b="1" dirty="0">
                 <a:latin typeface="Meiryo" panose="020B0604030504040204" pitchFamily="34" charset="-128"/>
                 <a:ea typeface="Meiryo" panose="020B0604030504040204" pitchFamily="34" charset="-128"/>
               </a:rPr>
@@ -6042,6 +6325,1790 @@
           </a:p>
         </p:txBody>
       </p:sp>
+      <p:sp>
+        <p:nvSpPr>
+          <p:cNvPr id="42" name="テキスト ボックス 41">
+            <a:extLst>
+              <a:ext uri="{FF2B5EF4-FFF2-40B4-BE49-F238E27FC236}">
+                <a16:creationId xmlns:a16="http://schemas.microsoft.com/office/drawing/2014/main" id="{6D009793-66FB-5048-AAC2-3BC0F8E35DB4}"/>
+              </a:ext>
+            </a:extLst>
+          </p:cNvPr>
+          <p:cNvSpPr txBox="1"/>
+          <p:nvPr/>
+        </p:nvSpPr>
+        <p:spPr>
+          <a:xfrm>
+            <a:off x="824284" y="18606323"/>
+            <a:ext cx="28956005" cy="6824945"/>
+          </a:xfrm>
+          <a:prstGeom prst="rect">
+            <a:avLst/>
+          </a:prstGeom>
+          <a:noFill/>
+        </p:spPr>
+        <p:txBody>
+          <a:bodyPr wrap="square" rtlCol="0">
+            <a:spAutoFit/>
+          </a:bodyPr>
+          <a:lstStyle/>
+          <a:p>
+            <a:r>
+              <a:rPr lang="ja-JP" altLang="en-US" sz="6250" dirty="0">
+                <a:latin typeface="Meiryo" panose="020B0604030504040204" pitchFamily="34" charset="-128"/>
+                <a:ea typeface="Meiryo" panose="020B0604030504040204" pitchFamily="34" charset="-128"/>
+              </a:rPr>
+              <a:t>　本アプリケーションは，</a:t>
+            </a:r>
+            <a:r>
+              <a:rPr lang="en-US" altLang="ja-JP" sz="6250" dirty="0">
+                <a:latin typeface="Meiryo" panose="020B0604030504040204" pitchFamily="34" charset="-128"/>
+                <a:ea typeface="Meiryo" panose="020B0604030504040204" pitchFamily="34" charset="-128"/>
+              </a:rPr>
+              <a:t>web</a:t>
+            </a:r>
+            <a:r>
+              <a:rPr lang="ja-JP" altLang="en-US" sz="6250" dirty="0">
+                <a:latin typeface="Meiryo" panose="020B0604030504040204" pitchFamily="34" charset="-128"/>
+                <a:ea typeface="Meiryo" panose="020B0604030504040204" pitchFamily="34" charset="-128"/>
+              </a:rPr>
+              <a:t>サイトへ接続したパケットが記録されたファイル</a:t>
+            </a:r>
+            <a:r>
+              <a:rPr lang="en-US" altLang="ja-JP" sz="6250" dirty="0">
+                <a:latin typeface="Meiryo" panose="020B0604030504040204" pitchFamily="34" charset="-128"/>
+                <a:ea typeface="Meiryo" panose="020B0604030504040204" pitchFamily="34" charset="-128"/>
+              </a:rPr>
+              <a:t>(</a:t>
+            </a:r>
+            <a:r>
+              <a:rPr lang="en-US" altLang="ja-JP" sz="6250" dirty="0" err="1">
+                <a:latin typeface="Meiryo" panose="020B0604030504040204" pitchFamily="34" charset="-128"/>
+                <a:ea typeface="Meiryo" panose="020B0604030504040204" pitchFamily="34" charset="-128"/>
+              </a:rPr>
+              <a:t>pcap</a:t>
+            </a:r>
+            <a:r>
+              <a:rPr lang="ja-JP" altLang="en-US" sz="6250" dirty="0">
+                <a:latin typeface="Meiryo" panose="020B0604030504040204" pitchFamily="34" charset="-128"/>
+                <a:ea typeface="Meiryo" panose="020B0604030504040204" pitchFamily="34" charset="-128"/>
+              </a:rPr>
+              <a:t>ファイル</a:t>
+            </a:r>
+            <a:r>
+              <a:rPr lang="en-US" altLang="ja-JP" sz="6250" dirty="0">
+                <a:latin typeface="Meiryo" panose="020B0604030504040204" pitchFamily="34" charset="-128"/>
+                <a:ea typeface="Meiryo" panose="020B0604030504040204" pitchFamily="34" charset="-128"/>
+              </a:rPr>
+              <a:t>)</a:t>
+            </a:r>
+            <a:r>
+              <a:rPr lang="ja-JP" altLang="en-US" sz="6250" dirty="0">
+                <a:latin typeface="Meiryo" panose="020B0604030504040204" pitchFamily="34" charset="-128"/>
+                <a:ea typeface="Meiryo" panose="020B0604030504040204" pitchFamily="34" charset="-128"/>
+              </a:rPr>
+              <a:t>を解析し，その中から</a:t>
+            </a:r>
+            <a:r>
+              <a:rPr lang="en-US" altLang="ja-JP" sz="6250" dirty="0">
+                <a:latin typeface="Meiryo" panose="020B0604030504040204" pitchFamily="34" charset="-128"/>
+                <a:ea typeface="Meiryo" panose="020B0604030504040204" pitchFamily="34" charset="-128"/>
+              </a:rPr>
+              <a:t>HTTP</a:t>
+            </a:r>
+            <a:r>
+              <a:rPr lang="ja-JP" altLang="en-US" sz="6250" dirty="0">
+                <a:latin typeface="Meiryo" panose="020B0604030504040204" pitchFamily="34" charset="-128"/>
+                <a:ea typeface="Meiryo" panose="020B0604030504040204" pitchFamily="34" charset="-128"/>
+              </a:rPr>
+              <a:t>セッションを抽出する．また，各パケットの宛先アドレスや</a:t>
+            </a:r>
+            <a:r>
+              <a:rPr lang="en-US" altLang="ja-JP" sz="6250" dirty="0">
+                <a:latin typeface="Meiryo" panose="020B0604030504040204" pitchFamily="34" charset="-128"/>
+                <a:ea typeface="Meiryo" panose="020B0604030504040204" pitchFamily="34" charset="-128"/>
+              </a:rPr>
+              <a:t>HTTP</a:t>
+            </a:r>
+            <a:r>
+              <a:rPr lang="ja-JP" altLang="en-US" sz="6250" dirty="0">
+                <a:latin typeface="Meiryo" panose="020B0604030504040204" pitchFamily="34" charset="-128"/>
+                <a:ea typeface="Meiryo" panose="020B0604030504040204" pitchFamily="34" charset="-128"/>
+              </a:rPr>
+              <a:t>リファラを元に抽出したセッションを木構造化する．その後，抽出した</a:t>
+            </a:r>
+            <a:r>
+              <a:rPr lang="en-US" altLang="ja-JP" sz="6250" dirty="0">
+                <a:latin typeface="Meiryo" panose="020B0604030504040204" pitchFamily="34" charset="-128"/>
+                <a:ea typeface="Meiryo" panose="020B0604030504040204" pitchFamily="34" charset="-128"/>
+              </a:rPr>
+              <a:t>URL</a:t>
+            </a:r>
+            <a:r>
+              <a:rPr lang="ja-JP" altLang="en-US" sz="6250" dirty="0">
+                <a:latin typeface="Meiryo" panose="020B0604030504040204" pitchFamily="34" charset="-128"/>
+                <a:ea typeface="Meiryo" panose="020B0604030504040204" pitchFamily="34" charset="-128"/>
+              </a:rPr>
+              <a:t>の文字列及びリクエストパケットの特徴量を抽出し，決定木によってそれらの良悪判定を行う．悪性だと判定された</a:t>
+            </a:r>
+            <a:r>
+              <a:rPr lang="en-US" altLang="ja-JP" sz="6250" dirty="0">
+                <a:latin typeface="Meiryo" panose="020B0604030504040204" pitchFamily="34" charset="-128"/>
+                <a:ea typeface="Meiryo" panose="020B0604030504040204" pitchFamily="34" charset="-128"/>
+              </a:rPr>
+              <a:t>URL</a:t>
+            </a:r>
+            <a:r>
+              <a:rPr lang="ja-JP" altLang="en-US" sz="6250" dirty="0">
+                <a:latin typeface="Meiryo" panose="020B0604030504040204" pitchFamily="34" charset="-128"/>
+                <a:ea typeface="Meiryo" panose="020B0604030504040204" pitchFamily="34" charset="-128"/>
+              </a:rPr>
+              <a:t>は危険度によって段階的に色付けする．これにより攻撃の発生箇所の特定，及びリダイレクトに用いられたサーバの特定，解析の優先順位の決定が容易になると考えられる．</a:t>
+            </a:r>
+            <a:endParaRPr kumimoji="1" lang="ja-JP" altLang="en-US" sz="6250" dirty="0">
+              <a:latin typeface="Meiryo" panose="020B0604030504040204" pitchFamily="34" charset="-128"/>
+              <a:ea typeface="Meiryo" panose="020B0604030504040204" pitchFamily="34" charset="-128"/>
+            </a:endParaRPr>
+          </a:p>
+        </p:txBody>
+      </p:sp>
+      <p:sp>
+        <p:nvSpPr>
+          <p:cNvPr id="38" name="1つの角を切り取り、1つの角を丸めた四角形 37">
+            <a:extLst>
+              <a:ext uri="{FF2B5EF4-FFF2-40B4-BE49-F238E27FC236}">
+                <a16:creationId xmlns:a16="http://schemas.microsoft.com/office/drawing/2014/main" id="{E8557A6F-A128-1948-9017-03DF312E8D3A}"/>
+              </a:ext>
+            </a:extLst>
+          </p:cNvPr>
+          <p:cNvSpPr/>
+          <p:nvPr/>
+        </p:nvSpPr>
+        <p:spPr>
+          <a:xfrm>
+            <a:off x="3277597" y="25627192"/>
+            <a:ext cx="11068105" cy="946909"/>
+          </a:xfrm>
+          <a:prstGeom prst="snipRoundRect">
+            <a:avLst/>
+          </a:prstGeom>
+          <a:gradFill flip="none" rotWithShape="1">
+            <a:gsLst>
+              <a:gs pos="0">
+                <a:schemeClr val="accent1">
+                  <a:lumMod val="67000"/>
+                </a:schemeClr>
+              </a:gs>
+              <a:gs pos="48000">
+                <a:schemeClr val="accent1">
+                  <a:lumMod val="97000"/>
+                  <a:lumOff val="3000"/>
+                </a:schemeClr>
+              </a:gs>
+              <a:gs pos="100000">
+                <a:schemeClr val="accent1">
+                  <a:lumMod val="60000"/>
+                  <a:lumOff val="40000"/>
+                </a:schemeClr>
+              </a:gs>
+            </a:gsLst>
+            <a:lin ang="16200000" scaled="1"/>
+            <a:tileRect/>
+          </a:gradFill>
+          <a:ln>
+            <a:noFill/>
+          </a:ln>
+        </p:spPr>
+        <p:style>
+          <a:lnRef idx="0">
+            <a:scrgbClr r="0" g="0" b="0"/>
+          </a:lnRef>
+          <a:fillRef idx="0">
+            <a:scrgbClr r="0" g="0" b="0"/>
+          </a:fillRef>
+          <a:effectRef idx="0">
+            <a:scrgbClr r="0" g="0" b="0"/>
+          </a:effectRef>
+          <a:fontRef idx="minor">
+            <a:schemeClr val="lt1"/>
+          </a:fontRef>
+        </p:style>
+        <p:txBody>
+          <a:bodyPr rtlCol="0" anchor="ctr"/>
+          <a:lstStyle/>
+          <a:p>
+            <a:pPr algn="ctr"/>
+            <a:r>
+              <a:rPr lang="ja-JP" altLang="en-US" sz="7000" b="1" dirty="0">
+                <a:latin typeface="Meiryo" panose="020B0604030504040204" pitchFamily="34" charset="-128"/>
+                <a:ea typeface="Meiryo" panose="020B0604030504040204" pitchFamily="34" charset="-128"/>
+              </a:rPr>
+              <a:t>本システムの流れ</a:t>
+            </a:r>
+            <a:endParaRPr kumimoji="1" lang="ja-JP" altLang="en-US" sz="7000" b="1" dirty="0">
+              <a:latin typeface="Meiryo" panose="020B0604030504040204" pitchFamily="34" charset="-128"/>
+              <a:ea typeface="Meiryo" panose="020B0604030504040204" pitchFamily="34" charset="-128"/>
+            </a:endParaRPr>
+          </a:p>
+        </p:txBody>
+      </p:sp>
+      <p:sp>
+        <p:nvSpPr>
+          <p:cNvPr id="13" name="円柱 12">
+            <a:extLst>
+              <a:ext uri="{FF2B5EF4-FFF2-40B4-BE49-F238E27FC236}">
+                <a16:creationId xmlns:a16="http://schemas.microsoft.com/office/drawing/2014/main" id="{F93B8BA2-C598-7E44-A468-C3A6B4AD69E5}"/>
+              </a:ext>
+            </a:extLst>
+          </p:cNvPr>
+          <p:cNvSpPr/>
+          <p:nvPr/>
+        </p:nvSpPr>
+        <p:spPr>
+          <a:xfrm>
+            <a:off x="2114550" y="26837715"/>
+            <a:ext cx="3314700" cy="1308612"/>
+          </a:xfrm>
+          <a:prstGeom prst="can">
+            <a:avLst/>
+          </a:prstGeom>
+        </p:spPr>
+        <p:style>
+          <a:lnRef idx="2">
+            <a:schemeClr val="accent1">
+              <a:shade val="50000"/>
+            </a:schemeClr>
+          </a:lnRef>
+          <a:fillRef idx="1">
+            <a:schemeClr val="accent1"/>
+          </a:fillRef>
+          <a:effectRef idx="0">
+            <a:schemeClr val="accent1"/>
+          </a:effectRef>
+          <a:fontRef idx="minor">
+            <a:schemeClr val="lt1"/>
+          </a:fontRef>
+        </p:style>
+        <p:txBody>
+          <a:bodyPr rtlCol="0" anchor="ctr"/>
+          <a:lstStyle/>
+          <a:p>
+            <a:pPr algn="ctr"/>
+            <a:r>
+              <a:rPr lang="en-US" altLang="ja-JP" sz="7000" b="1" dirty="0" err="1">
+                <a:latin typeface="Meiryo" panose="020B0604030504040204" pitchFamily="34" charset="-128"/>
+                <a:ea typeface="Meiryo" panose="020B0604030504040204" pitchFamily="34" charset="-128"/>
+              </a:rPr>
+              <a:t>Pcap</a:t>
+            </a:r>
+            <a:endParaRPr kumimoji="1" lang="ja-JP" altLang="en-US" sz="7000" b="1" dirty="0">
+              <a:latin typeface="Meiryo" panose="020B0604030504040204" pitchFamily="34" charset="-128"/>
+              <a:ea typeface="Meiryo" panose="020B0604030504040204" pitchFamily="34" charset="-128"/>
+            </a:endParaRPr>
+          </a:p>
+        </p:txBody>
+      </p:sp>
+      <p:sp>
+        <p:nvSpPr>
+          <p:cNvPr id="41" name="下矢印 40">
+            <a:extLst>
+              <a:ext uri="{FF2B5EF4-FFF2-40B4-BE49-F238E27FC236}">
+                <a16:creationId xmlns:a16="http://schemas.microsoft.com/office/drawing/2014/main" id="{AD071E8E-F228-D549-80C6-324015DB68F3}"/>
+              </a:ext>
+            </a:extLst>
+          </p:cNvPr>
+          <p:cNvSpPr/>
+          <p:nvPr/>
+        </p:nvSpPr>
+        <p:spPr>
+          <a:xfrm>
+            <a:off x="3257651" y="28251408"/>
+            <a:ext cx="952500" cy="999707"/>
+          </a:xfrm>
+          <a:prstGeom prst="downArrow">
+            <a:avLst/>
+          </a:prstGeom>
+        </p:spPr>
+        <p:style>
+          <a:lnRef idx="2">
+            <a:schemeClr val="accent1">
+              <a:shade val="50000"/>
+            </a:schemeClr>
+          </a:lnRef>
+          <a:fillRef idx="1">
+            <a:schemeClr val="accent1"/>
+          </a:fillRef>
+          <a:effectRef idx="0">
+            <a:schemeClr val="accent1"/>
+          </a:effectRef>
+          <a:fontRef idx="minor">
+            <a:schemeClr val="lt1"/>
+          </a:fontRef>
+        </p:style>
+        <p:txBody>
+          <a:bodyPr rtlCol="0" anchor="ctr"/>
+          <a:lstStyle/>
+          <a:p>
+            <a:pPr algn="ctr"/>
+            <a:endParaRPr kumimoji="1" lang="ja-JP" altLang="en-US"/>
+          </a:p>
+        </p:txBody>
+      </p:sp>
+      <p:sp>
+        <p:nvSpPr>
+          <p:cNvPr id="43" name="1 つの角を切り取った四角形 42">
+            <a:extLst>
+              <a:ext uri="{FF2B5EF4-FFF2-40B4-BE49-F238E27FC236}">
+                <a16:creationId xmlns:a16="http://schemas.microsoft.com/office/drawing/2014/main" id="{CB5E782D-2EF6-A649-B0F8-63AD5E2BFE4F}"/>
+              </a:ext>
+            </a:extLst>
+          </p:cNvPr>
+          <p:cNvSpPr/>
+          <p:nvPr/>
+        </p:nvSpPr>
+        <p:spPr>
+          <a:xfrm>
+            <a:off x="1657451" y="29356196"/>
+            <a:ext cx="4152900" cy="2023405"/>
+          </a:xfrm>
+          <a:prstGeom prst="snip1Rect">
+            <a:avLst/>
+          </a:prstGeom>
+        </p:spPr>
+        <p:style>
+          <a:lnRef idx="2">
+            <a:schemeClr val="accent1">
+              <a:shade val="50000"/>
+            </a:schemeClr>
+          </a:lnRef>
+          <a:fillRef idx="1">
+            <a:schemeClr val="accent1"/>
+          </a:fillRef>
+          <a:effectRef idx="0">
+            <a:schemeClr val="accent1"/>
+          </a:effectRef>
+          <a:fontRef idx="minor">
+            <a:schemeClr val="lt1"/>
+          </a:fontRef>
+        </p:style>
+        <p:txBody>
+          <a:bodyPr rtlCol="0" anchor="ctr"/>
+          <a:lstStyle/>
+          <a:p>
+            <a:pPr algn="ctr"/>
+            <a:r>
+              <a:rPr kumimoji="1" lang="en-US" altLang="ja-JP" sz="7000" b="1" dirty="0">
+                <a:latin typeface="Meiryo" panose="020B0604030504040204" pitchFamily="34" charset="-128"/>
+                <a:ea typeface="Meiryo" panose="020B0604030504040204" pitchFamily="34" charset="-128"/>
+              </a:rPr>
+              <a:t>Analyze </a:t>
+            </a:r>
+          </a:p>
+          <a:p>
+            <a:pPr algn="ctr"/>
+            <a:r>
+              <a:rPr kumimoji="1" lang="en-US" altLang="ja-JP" sz="7000" b="1" dirty="0">
+                <a:latin typeface="Meiryo" panose="020B0604030504040204" pitchFamily="34" charset="-128"/>
+                <a:ea typeface="Meiryo" panose="020B0604030504040204" pitchFamily="34" charset="-128"/>
+              </a:rPr>
+              <a:t>packet</a:t>
+            </a:r>
+            <a:endParaRPr kumimoji="1" lang="ja-JP" altLang="en-US" sz="7000" b="1" dirty="0">
+              <a:latin typeface="Meiryo" panose="020B0604030504040204" pitchFamily="34" charset="-128"/>
+              <a:ea typeface="Meiryo" panose="020B0604030504040204" pitchFamily="34" charset="-128"/>
+            </a:endParaRPr>
+          </a:p>
+        </p:txBody>
+      </p:sp>
+      <p:sp>
+        <p:nvSpPr>
+          <p:cNvPr id="44" name="テキスト ボックス 43">
+            <a:extLst>
+              <a:ext uri="{FF2B5EF4-FFF2-40B4-BE49-F238E27FC236}">
+                <a16:creationId xmlns:a16="http://schemas.microsoft.com/office/drawing/2014/main" id="{645552BF-C868-D14D-9292-196ECBDFB4A7}"/>
+              </a:ext>
+            </a:extLst>
+          </p:cNvPr>
+          <p:cNvSpPr txBox="1"/>
+          <p:nvPr/>
+        </p:nvSpPr>
+        <p:spPr>
+          <a:xfrm>
+            <a:off x="494903" y="36534001"/>
+            <a:ext cx="29184685" cy="5816977"/>
+          </a:xfrm>
+          <a:prstGeom prst="rect">
+            <a:avLst/>
+          </a:prstGeom>
+          <a:noFill/>
+        </p:spPr>
+        <p:txBody>
+          <a:bodyPr wrap="square" rtlCol="0">
+            <a:spAutoFit/>
+          </a:bodyPr>
+          <a:lstStyle/>
+          <a:p>
+            <a:r>
+              <a:rPr lang="ja-JP" altLang="en-US" sz="6250" dirty="0">
+                <a:latin typeface="Meiryo" panose="020B0604030504040204" pitchFamily="34" charset="-128"/>
+                <a:ea typeface="Meiryo" panose="020B0604030504040204" pitchFamily="34" charset="-128"/>
+              </a:rPr>
+              <a:t>　本提案では</a:t>
+            </a:r>
+            <a:r>
+              <a:rPr lang="en-US" altLang="ja-JP" sz="6250" dirty="0">
+                <a:latin typeface="Meiryo" panose="020B0604030504040204" pitchFamily="34" charset="-128"/>
+                <a:ea typeface="Meiryo" panose="020B0604030504040204" pitchFamily="34" charset="-128"/>
+              </a:rPr>
+              <a:t>HTTP</a:t>
+            </a:r>
+            <a:r>
+              <a:rPr lang="ja-JP" altLang="en-US" sz="6250" dirty="0">
+                <a:latin typeface="Meiryo" panose="020B0604030504040204" pitchFamily="34" charset="-128"/>
+                <a:ea typeface="Meiryo" panose="020B0604030504040204" pitchFamily="34" charset="-128"/>
+              </a:rPr>
+              <a:t>セッションを木構造化し，悪性だと推定される</a:t>
+            </a:r>
+            <a:r>
+              <a:rPr lang="en-US" altLang="ja-JP" sz="6250" dirty="0">
+                <a:latin typeface="Meiryo" panose="020B0604030504040204" pitchFamily="34" charset="-128"/>
+                <a:ea typeface="Meiryo" panose="020B0604030504040204" pitchFamily="34" charset="-128"/>
+              </a:rPr>
+              <a:t>URL</a:t>
+            </a:r>
+            <a:r>
+              <a:rPr lang="ja-JP" altLang="en-US" sz="6250" dirty="0">
+                <a:latin typeface="Meiryo" panose="020B0604030504040204" pitchFamily="34" charset="-128"/>
+                <a:ea typeface="Meiryo" panose="020B0604030504040204" pitchFamily="34" charset="-128"/>
+              </a:rPr>
+              <a:t>を段階的に色付けすることで，</a:t>
+            </a:r>
+            <a:r>
+              <a:rPr lang="en-US" altLang="ja-JP" sz="6250" dirty="0">
+                <a:latin typeface="Meiryo" panose="020B0604030504040204" pitchFamily="34" charset="-128"/>
+                <a:ea typeface="Meiryo" panose="020B0604030504040204" pitchFamily="34" charset="-128"/>
+              </a:rPr>
+              <a:t>Drive-by Download</a:t>
+            </a:r>
+            <a:r>
+              <a:rPr lang="ja-JP" altLang="en-US" sz="6250" dirty="0">
+                <a:latin typeface="Meiryo" panose="020B0604030504040204" pitchFamily="34" charset="-128"/>
+                <a:ea typeface="Meiryo" panose="020B0604030504040204" pitchFamily="34" charset="-128"/>
+              </a:rPr>
+              <a:t>攻撃の解析を支援するアプリケーションを開発した．しかし，現在は決定木によってどのように良悪判定が行われたのかを視覚化できていない状態である．そのため，今後視覚化する必要がある．</a:t>
+            </a:r>
+            <a:endParaRPr lang="en-US" altLang="ja-JP" sz="6250" dirty="0">
+              <a:latin typeface="Meiryo" panose="020B0604030504040204" pitchFamily="34" charset="-128"/>
+              <a:ea typeface="Meiryo" panose="020B0604030504040204" pitchFamily="34" charset="-128"/>
+            </a:endParaRPr>
+          </a:p>
+          <a:p>
+            <a:r>
+              <a:rPr lang="ja-JP" altLang="en-US" sz="6250" dirty="0">
+                <a:latin typeface="Meiryo" panose="020B0604030504040204" pitchFamily="34" charset="-128"/>
+                <a:ea typeface="Meiryo" panose="020B0604030504040204" pitchFamily="34" charset="-128"/>
+              </a:rPr>
+              <a:t>　また，本アプリケーションは</a:t>
+            </a:r>
+            <a:r>
+              <a:rPr lang="en-US" altLang="ja-JP" sz="6250" dirty="0">
+                <a:latin typeface="Meiryo" panose="020B0604030504040204" pitchFamily="34" charset="-128"/>
+                <a:ea typeface="Meiryo" panose="020B0604030504040204" pitchFamily="34" charset="-128"/>
+              </a:rPr>
+              <a:t>HTTPS</a:t>
+            </a:r>
+            <a:r>
+              <a:rPr lang="ja-JP" altLang="en-US" sz="6250" dirty="0">
+                <a:latin typeface="Meiryo" panose="020B0604030504040204" pitchFamily="34" charset="-128"/>
+                <a:ea typeface="Meiryo" panose="020B0604030504040204" pitchFamily="34" charset="-128"/>
+              </a:rPr>
+              <a:t>などの暗号化を用いた通信を解析することができないため，改良しなければならない．</a:t>
+            </a:r>
+            <a:endParaRPr kumimoji="1" lang="ja-JP" altLang="en-US" sz="6250" dirty="0">
+              <a:latin typeface="Meiryo" panose="020B0604030504040204" pitchFamily="34" charset="-128"/>
+              <a:ea typeface="Meiryo" panose="020B0604030504040204" pitchFamily="34" charset="-128"/>
+            </a:endParaRPr>
+          </a:p>
+        </p:txBody>
+      </p:sp>
+      <p:sp>
+        <p:nvSpPr>
+          <p:cNvPr id="45" name="円柱 44">
+            <a:extLst>
+              <a:ext uri="{FF2B5EF4-FFF2-40B4-BE49-F238E27FC236}">
+                <a16:creationId xmlns:a16="http://schemas.microsoft.com/office/drawing/2014/main" id="{296D4C79-18E0-DF47-913D-79D501EF5EBF}"/>
+              </a:ext>
+            </a:extLst>
+          </p:cNvPr>
+          <p:cNvSpPr/>
+          <p:nvPr/>
+        </p:nvSpPr>
+        <p:spPr>
+          <a:xfrm>
+            <a:off x="1905000" y="32589470"/>
+            <a:ext cx="3733800" cy="1575631"/>
+          </a:xfrm>
+          <a:prstGeom prst="can">
+            <a:avLst/>
+          </a:prstGeom>
+        </p:spPr>
+        <p:style>
+          <a:lnRef idx="2">
+            <a:schemeClr val="accent1">
+              <a:shade val="50000"/>
+            </a:schemeClr>
+          </a:lnRef>
+          <a:fillRef idx="1">
+            <a:schemeClr val="accent1"/>
+          </a:fillRef>
+          <a:effectRef idx="0">
+            <a:schemeClr val="accent1"/>
+          </a:effectRef>
+          <a:fontRef idx="minor">
+            <a:schemeClr val="lt1"/>
+          </a:fontRef>
+        </p:style>
+        <p:txBody>
+          <a:bodyPr rtlCol="0" anchor="ctr"/>
+          <a:lstStyle/>
+          <a:p>
+            <a:pPr algn="ctr"/>
+            <a:r>
+              <a:rPr kumimoji="1" lang="en-US" altLang="ja-JP" sz="7000" b="1" dirty="0">
+                <a:latin typeface="Meiryo" panose="020B0604030504040204" pitchFamily="34" charset="-128"/>
+                <a:ea typeface="Meiryo" panose="020B0604030504040204" pitchFamily="34" charset="-128"/>
+              </a:rPr>
+              <a:t>Vector</a:t>
+            </a:r>
+            <a:endParaRPr kumimoji="1" lang="ja-JP" altLang="en-US" sz="7000" b="1" dirty="0">
+              <a:latin typeface="Meiryo" panose="020B0604030504040204" pitchFamily="34" charset="-128"/>
+              <a:ea typeface="Meiryo" panose="020B0604030504040204" pitchFamily="34" charset="-128"/>
+            </a:endParaRPr>
+          </a:p>
+        </p:txBody>
+      </p:sp>
+      <p:sp>
+        <p:nvSpPr>
+          <p:cNvPr id="46" name="下矢印 45">
+            <a:extLst>
+              <a:ext uri="{FF2B5EF4-FFF2-40B4-BE49-F238E27FC236}">
+                <a16:creationId xmlns:a16="http://schemas.microsoft.com/office/drawing/2014/main" id="{17C337E4-0FDA-624C-88FB-83899FEF0FC3}"/>
+              </a:ext>
+            </a:extLst>
+          </p:cNvPr>
+          <p:cNvSpPr/>
+          <p:nvPr/>
+        </p:nvSpPr>
+        <p:spPr>
+          <a:xfrm>
+            <a:off x="3295650" y="31465199"/>
+            <a:ext cx="952500" cy="999707"/>
+          </a:xfrm>
+          <a:prstGeom prst="downArrow">
+            <a:avLst/>
+          </a:prstGeom>
+        </p:spPr>
+        <p:style>
+          <a:lnRef idx="2">
+            <a:schemeClr val="accent1">
+              <a:shade val="50000"/>
+            </a:schemeClr>
+          </a:lnRef>
+          <a:fillRef idx="1">
+            <a:schemeClr val="accent1"/>
+          </a:fillRef>
+          <a:effectRef idx="0">
+            <a:schemeClr val="accent1"/>
+          </a:effectRef>
+          <a:fontRef idx="minor">
+            <a:schemeClr val="lt1"/>
+          </a:fontRef>
+        </p:style>
+        <p:txBody>
+          <a:bodyPr rtlCol="0" anchor="ctr"/>
+          <a:lstStyle/>
+          <a:p>
+            <a:pPr algn="ctr"/>
+            <a:endParaRPr kumimoji="1" lang="ja-JP" altLang="en-US" dirty="0"/>
+          </a:p>
+        </p:txBody>
+      </p:sp>
+      <p:sp>
+        <p:nvSpPr>
+          <p:cNvPr id="49" name="1 つの角を切り取った四角形 48">
+            <a:extLst>
+              <a:ext uri="{FF2B5EF4-FFF2-40B4-BE49-F238E27FC236}">
+                <a16:creationId xmlns:a16="http://schemas.microsoft.com/office/drawing/2014/main" id="{D16E6728-B563-A543-92DB-C4098472A360}"/>
+              </a:ext>
+            </a:extLst>
+          </p:cNvPr>
+          <p:cNvSpPr/>
+          <p:nvPr/>
+        </p:nvSpPr>
+        <p:spPr>
+          <a:xfrm>
+            <a:off x="8229995" y="26852741"/>
+            <a:ext cx="6667105" cy="2023405"/>
+          </a:xfrm>
+          <a:prstGeom prst="snip1Rect">
+            <a:avLst/>
+          </a:prstGeom>
+        </p:spPr>
+        <p:style>
+          <a:lnRef idx="2">
+            <a:schemeClr val="accent1">
+              <a:shade val="50000"/>
+            </a:schemeClr>
+          </a:lnRef>
+          <a:fillRef idx="1">
+            <a:schemeClr val="accent1"/>
+          </a:fillRef>
+          <a:effectRef idx="0">
+            <a:schemeClr val="accent1"/>
+          </a:effectRef>
+          <a:fontRef idx="minor">
+            <a:schemeClr val="lt1"/>
+          </a:fontRef>
+        </p:style>
+        <p:txBody>
+          <a:bodyPr rtlCol="0" anchor="ctr"/>
+          <a:lstStyle/>
+          <a:p>
+            <a:pPr algn="ctr"/>
+            <a:r>
+              <a:rPr lang="en-US" altLang="ja-JP" sz="7000" b="1" dirty="0">
+                <a:latin typeface="Meiryo" panose="020B0604030504040204" pitchFamily="34" charset="-128"/>
+                <a:ea typeface="Meiryo" panose="020B0604030504040204" pitchFamily="34" charset="-128"/>
+              </a:rPr>
+              <a:t>Decide by </a:t>
+            </a:r>
+          </a:p>
+          <a:p>
+            <a:pPr algn="ctr"/>
+            <a:r>
+              <a:rPr lang="en-US" altLang="ja-JP" sz="7000" b="1" dirty="0">
+                <a:latin typeface="Meiryo" panose="020B0604030504040204" pitchFamily="34" charset="-128"/>
+                <a:ea typeface="Meiryo" panose="020B0604030504040204" pitchFamily="34" charset="-128"/>
+              </a:rPr>
+              <a:t>d</a:t>
+            </a:r>
+            <a:r>
+              <a:rPr kumimoji="1" lang="en-US" altLang="ja-JP" sz="7000" b="1" dirty="0">
+                <a:latin typeface="Meiryo" panose="020B0604030504040204" pitchFamily="34" charset="-128"/>
+                <a:ea typeface="Meiryo" panose="020B0604030504040204" pitchFamily="34" charset="-128"/>
+              </a:rPr>
+              <a:t>ecision tree</a:t>
+            </a:r>
+            <a:endParaRPr kumimoji="1" lang="ja-JP" altLang="en-US" sz="7000" b="1" dirty="0">
+              <a:latin typeface="Meiryo" panose="020B0604030504040204" pitchFamily="34" charset="-128"/>
+              <a:ea typeface="Meiryo" panose="020B0604030504040204" pitchFamily="34" charset="-128"/>
+            </a:endParaRPr>
+          </a:p>
+        </p:txBody>
+      </p:sp>
+      <p:sp>
+        <p:nvSpPr>
+          <p:cNvPr id="54" name="正方形/長方形 53">
+            <a:extLst>
+              <a:ext uri="{FF2B5EF4-FFF2-40B4-BE49-F238E27FC236}">
+                <a16:creationId xmlns:a16="http://schemas.microsoft.com/office/drawing/2014/main" id="{6EDED4AB-ED37-4A40-AF54-6F320E82E799}"/>
+              </a:ext>
+            </a:extLst>
+          </p:cNvPr>
+          <p:cNvSpPr/>
+          <p:nvPr/>
+        </p:nvSpPr>
+        <p:spPr>
+          <a:xfrm>
+            <a:off x="5848350" y="33338003"/>
+            <a:ext cx="1200150" cy="420535"/>
+          </a:xfrm>
+          <a:prstGeom prst="rect">
+            <a:avLst/>
+          </a:prstGeom>
+          <a:ln>
+            <a:solidFill>
+              <a:schemeClr val="accent1"/>
+            </a:solidFill>
+          </a:ln>
+        </p:spPr>
+        <p:style>
+          <a:lnRef idx="2">
+            <a:schemeClr val="accent1">
+              <a:shade val="50000"/>
+            </a:schemeClr>
+          </a:lnRef>
+          <a:fillRef idx="1">
+            <a:schemeClr val="accent1"/>
+          </a:fillRef>
+          <a:effectRef idx="0">
+            <a:schemeClr val="accent1"/>
+          </a:effectRef>
+          <a:fontRef idx="minor">
+            <a:schemeClr val="lt1"/>
+          </a:fontRef>
+        </p:style>
+        <p:txBody>
+          <a:bodyPr rtlCol="0" anchor="ctr"/>
+          <a:lstStyle/>
+          <a:p>
+            <a:pPr algn="ctr"/>
+            <a:endParaRPr kumimoji="1" lang="ja-JP" altLang="en-US"/>
+          </a:p>
+        </p:txBody>
+      </p:sp>
+      <p:sp>
+        <p:nvSpPr>
+          <p:cNvPr id="55" name="正方形/長方形 54">
+            <a:extLst>
+              <a:ext uri="{FF2B5EF4-FFF2-40B4-BE49-F238E27FC236}">
+                <a16:creationId xmlns:a16="http://schemas.microsoft.com/office/drawing/2014/main" id="{920F3F04-042E-AD48-BA12-11A8D1BED41D}"/>
+              </a:ext>
+            </a:extLst>
+          </p:cNvPr>
+          <p:cNvSpPr/>
+          <p:nvPr/>
+        </p:nvSpPr>
+        <p:spPr>
+          <a:xfrm>
+            <a:off x="6705600" y="27939164"/>
+            <a:ext cx="343295" cy="5653576"/>
+          </a:xfrm>
+          <a:prstGeom prst="rect">
+            <a:avLst/>
+          </a:prstGeom>
+          <a:ln>
+            <a:solidFill>
+              <a:schemeClr val="accent1"/>
+            </a:solidFill>
+          </a:ln>
+        </p:spPr>
+        <p:style>
+          <a:lnRef idx="2">
+            <a:schemeClr val="accent1">
+              <a:shade val="50000"/>
+            </a:schemeClr>
+          </a:lnRef>
+          <a:fillRef idx="1">
+            <a:schemeClr val="accent1"/>
+          </a:fillRef>
+          <a:effectRef idx="0">
+            <a:schemeClr val="accent1"/>
+          </a:effectRef>
+          <a:fontRef idx="minor">
+            <a:schemeClr val="lt1"/>
+          </a:fontRef>
+        </p:style>
+        <p:txBody>
+          <a:bodyPr rtlCol="0" anchor="ctr"/>
+          <a:lstStyle/>
+          <a:p>
+            <a:pPr algn="ctr"/>
+            <a:endParaRPr kumimoji="1" lang="ja-JP" altLang="en-US"/>
+          </a:p>
+        </p:txBody>
+      </p:sp>
+      <p:sp>
+        <p:nvSpPr>
+          <p:cNvPr id="56" name="右矢印 55">
+            <a:extLst>
+              <a:ext uri="{FF2B5EF4-FFF2-40B4-BE49-F238E27FC236}">
+                <a16:creationId xmlns:a16="http://schemas.microsoft.com/office/drawing/2014/main" id="{A92F2324-216A-9242-995E-6D905F09ABEB}"/>
+              </a:ext>
+            </a:extLst>
+          </p:cNvPr>
+          <p:cNvSpPr/>
+          <p:nvPr/>
+        </p:nvSpPr>
+        <p:spPr>
+          <a:xfrm>
+            <a:off x="6705601" y="27660524"/>
+            <a:ext cx="1181100" cy="701692"/>
+          </a:xfrm>
+          <a:prstGeom prst="rightArrow">
+            <a:avLst/>
+          </a:prstGeom>
+          <a:ln>
+            <a:solidFill>
+              <a:schemeClr val="accent1"/>
+            </a:solidFill>
+          </a:ln>
+        </p:spPr>
+        <p:style>
+          <a:lnRef idx="2">
+            <a:schemeClr val="accent1">
+              <a:shade val="50000"/>
+            </a:schemeClr>
+          </a:lnRef>
+          <a:fillRef idx="1">
+            <a:schemeClr val="accent1"/>
+          </a:fillRef>
+          <a:effectRef idx="0">
+            <a:schemeClr val="accent1"/>
+          </a:effectRef>
+          <a:fontRef idx="minor">
+            <a:schemeClr val="lt1"/>
+          </a:fontRef>
+        </p:style>
+        <p:txBody>
+          <a:bodyPr rtlCol="0" anchor="ctr"/>
+          <a:lstStyle/>
+          <a:p>
+            <a:pPr algn="ctr"/>
+            <a:endParaRPr kumimoji="1" lang="ja-JP" altLang="en-US"/>
+          </a:p>
+        </p:txBody>
+      </p:sp>
+      <p:sp>
+        <p:nvSpPr>
+          <p:cNvPr id="57" name="円柱 56">
+            <a:extLst>
+              <a:ext uri="{FF2B5EF4-FFF2-40B4-BE49-F238E27FC236}">
+                <a16:creationId xmlns:a16="http://schemas.microsoft.com/office/drawing/2014/main" id="{C672D087-1B64-8841-BEB9-D8DD74978DA6}"/>
+              </a:ext>
+            </a:extLst>
+          </p:cNvPr>
+          <p:cNvSpPr/>
+          <p:nvPr/>
+        </p:nvSpPr>
+        <p:spPr>
+          <a:xfrm>
+            <a:off x="9658270" y="30448913"/>
+            <a:ext cx="3810547" cy="1308612"/>
+          </a:xfrm>
+          <a:prstGeom prst="can">
+            <a:avLst/>
+          </a:prstGeom>
+        </p:spPr>
+        <p:style>
+          <a:lnRef idx="2">
+            <a:schemeClr val="accent1">
+              <a:shade val="50000"/>
+            </a:schemeClr>
+          </a:lnRef>
+          <a:fillRef idx="1">
+            <a:schemeClr val="accent1"/>
+          </a:fillRef>
+          <a:effectRef idx="0">
+            <a:schemeClr val="accent1"/>
+          </a:effectRef>
+          <a:fontRef idx="minor">
+            <a:schemeClr val="lt1"/>
+          </a:fontRef>
+        </p:style>
+        <p:txBody>
+          <a:bodyPr rtlCol="0" anchor="ctr"/>
+          <a:lstStyle/>
+          <a:p>
+            <a:pPr algn="ctr"/>
+            <a:r>
+              <a:rPr kumimoji="1" lang="en-US" altLang="ja-JP" sz="7000" b="1" dirty="0">
+                <a:latin typeface="Meiryo" panose="020B0604030504040204" pitchFamily="34" charset="-128"/>
+                <a:ea typeface="Meiryo" panose="020B0604030504040204" pitchFamily="34" charset="-128"/>
+              </a:rPr>
+              <a:t>Result</a:t>
+            </a:r>
+            <a:endParaRPr kumimoji="1" lang="ja-JP" altLang="en-US" sz="7000" b="1" dirty="0">
+              <a:latin typeface="Meiryo" panose="020B0604030504040204" pitchFamily="34" charset="-128"/>
+              <a:ea typeface="Meiryo" panose="020B0604030504040204" pitchFamily="34" charset="-128"/>
+            </a:endParaRPr>
+          </a:p>
+        </p:txBody>
+      </p:sp>
+      <p:sp>
+        <p:nvSpPr>
+          <p:cNvPr id="58" name="下矢印 57">
+            <a:extLst>
+              <a:ext uri="{FF2B5EF4-FFF2-40B4-BE49-F238E27FC236}">
+                <a16:creationId xmlns:a16="http://schemas.microsoft.com/office/drawing/2014/main" id="{FEAB09DC-A06F-3B45-A481-A9C8BA752949}"/>
+              </a:ext>
+            </a:extLst>
+          </p:cNvPr>
+          <p:cNvSpPr/>
+          <p:nvPr/>
+        </p:nvSpPr>
+        <p:spPr>
+          <a:xfrm>
+            <a:off x="11087294" y="29188334"/>
+            <a:ext cx="952500" cy="999707"/>
+          </a:xfrm>
+          <a:prstGeom prst="downArrow">
+            <a:avLst/>
+          </a:prstGeom>
+        </p:spPr>
+        <p:style>
+          <a:lnRef idx="2">
+            <a:schemeClr val="accent1">
+              <a:shade val="50000"/>
+            </a:schemeClr>
+          </a:lnRef>
+          <a:fillRef idx="1">
+            <a:schemeClr val="accent1"/>
+          </a:fillRef>
+          <a:effectRef idx="0">
+            <a:schemeClr val="accent1"/>
+          </a:effectRef>
+          <a:fontRef idx="minor">
+            <a:schemeClr val="lt1"/>
+          </a:fontRef>
+        </p:style>
+        <p:txBody>
+          <a:bodyPr rtlCol="0" anchor="ctr"/>
+          <a:lstStyle/>
+          <a:p>
+            <a:pPr algn="ctr"/>
+            <a:endParaRPr kumimoji="1" lang="ja-JP" altLang="en-US"/>
+          </a:p>
+        </p:txBody>
+      </p:sp>
+      <p:sp>
+        <p:nvSpPr>
+          <p:cNvPr id="59" name="1 つの角を切り取った四角形 58">
+            <a:extLst>
+              <a:ext uri="{FF2B5EF4-FFF2-40B4-BE49-F238E27FC236}">
+                <a16:creationId xmlns:a16="http://schemas.microsoft.com/office/drawing/2014/main" id="{2EE9D455-D2E0-0C4D-AA96-F3283A926299}"/>
+              </a:ext>
+            </a:extLst>
+          </p:cNvPr>
+          <p:cNvSpPr/>
+          <p:nvPr/>
+        </p:nvSpPr>
+        <p:spPr>
+          <a:xfrm>
+            <a:off x="7772790" y="32951062"/>
+            <a:ext cx="7581505" cy="1032933"/>
+          </a:xfrm>
+          <a:prstGeom prst="snip1Rect">
+            <a:avLst/>
+          </a:prstGeom>
+        </p:spPr>
+        <p:style>
+          <a:lnRef idx="2">
+            <a:schemeClr val="accent1">
+              <a:shade val="50000"/>
+            </a:schemeClr>
+          </a:lnRef>
+          <a:fillRef idx="1">
+            <a:schemeClr val="accent1"/>
+          </a:fillRef>
+          <a:effectRef idx="0">
+            <a:schemeClr val="accent1"/>
+          </a:effectRef>
+          <a:fontRef idx="minor">
+            <a:schemeClr val="lt1"/>
+          </a:fontRef>
+        </p:style>
+        <p:txBody>
+          <a:bodyPr rtlCol="0" anchor="ctr"/>
+          <a:lstStyle/>
+          <a:p>
+            <a:pPr algn="ctr"/>
+            <a:r>
+              <a:rPr lang="en-US" altLang="ja-JP" sz="7000" b="1" dirty="0">
+                <a:latin typeface="Meiryo" panose="020B0604030504040204" pitchFamily="34" charset="-128"/>
+                <a:ea typeface="Meiryo" panose="020B0604030504040204" pitchFamily="34" charset="-128"/>
+              </a:rPr>
+              <a:t>Display results</a:t>
+            </a:r>
+            <a:endParaRPr kumimoji="1" lang="ja-JP" altLang="en-US" sz="7000" b="1" dirty="0">
+              <a:latin typeface="Meiryo" panose="020B0604030504040204" pitchFamily="34" charset="-128"/>
+              <a:ea typeface="Meiryo" panose="020B0604030504040204" pitchFamily="34" charset="-128"/>
+            </a:endParaRPr>
+          </a:p>
+        </p:txBody>
+      </p:sp>
+      <p:sp>
+        <p:nvSpPr>
+          <p:cNvPr id="60" name="下矢印 59">
+            <a:extLst>
+              <a:ext uri="{FF2B5EF4-FFF2-40B4-BE49-F238E27FC236}">
+                <a16:creationId xmlns:a16="http://schemas.microsoft.com/office/drawing/2014/main" id="{5F85DCAD-544A-0645-9761-365BFA029F36}"/>
+              </a:ext>
+            </a:extLst>
+          </p:cNvPr>
+          <p:cNvSpPr/>
+          <p:nvPr/>
+        </p:nvSpPr>
+        <p:spPr>
+          <a:xfrm>
+            <a:off x="11087294" y="31854440"/>
+            <a:ext cx="952500" cy="999707"/>
+          </a:xfrm>
+          <a:prstGeom prst="downArrow">
+            <a:avLst/>
+          </a:prstGeom>
+        </p:spPr>
+        <p:style>
+          <a:lnRef idx="2">
+            <a:schemeClr val="accent1">
+              <a:shade val="50000"/>
+            </a:schemeClr>
+          </a:lnRef>
+          <a:fillRef idx="1">
+            <a:schemeClr val="accent1"/>
+          </a:fillRef>
+          <a:effectRef idx="0">
+            <a:schemeClr val="accent1"/>
+          </a:effectRef>
+          <a:fontRef idx="minor">
+            <a:schemeClr val="lt1"/>
+          </a:fontRef>
+        </p:style>
+        <p:txBody>
+          <a:bodyPr rtlCol="0" anchor="ctr"/>
+          <a:lstStyle/>
+          <a:p>
+            <a:pPr algn="ctr"/>
+            <a:endParaRPr kumimoji="1" lang="ja-JP" altLang="en-US" dirty="0"/>
+          </a:p>
+        </p:txBody>
+      </p:sp>
+      <p:sp>
+        <p:nvSpPr>
+          <p:cNvPr id="61" name="1つの角を切り取り、1つの角を丸めた四角形 60">
+            <a:extLst>
+              <a:ext uri="{FF2B5EF4-FFF2-40B4-BE49-F238E27FC236}">
+                <a16:creationId xmlns:a16="http://schemas.microsoft.com/office/drawing/2014/main" id="{78C7A101-40EC-2D42-9791-A9E94249931E}"/>
+              </a:ext>
+            </a:extLst>
+          </p:cNvPr>
+          <p:cNvSpPr/>
+          <p:nvPr/>
+        </p:nvSpPr>
+        <p:spPr>
+          <a:xfrm>
+            <a:off x="17807303" y="25629902"/>
+            <a:ext cx="11068105" cy="946909"/>
+          </a:xfrm>
+          <a:prstGeom prst="snipRoundRect">
+            <a:avLst/>
+          </a:prstGeom>
+          <a:gradFill flip="none" rotWithShape="1">
+            <a:gsLst>
+              <a:gs pos="0">
+                <a:schemeClr val="accent1">
+                  <a:lumMod val="67000"/>
+                </a:schemeClr>
+              </a:gs>
+              <a:gs pos="48000">
+                <a:schemeClr val="accent1">
+                  <a:lumMod val="97000"/>
+                  <a:lumOff val="3000"/>
+                </a:schemeClr>
+              </a:gs>
+              <a:gs pos="100000">
+                <a:schemeClr val="accent1">
+                  <a:lumMod val="60000"/>
+                  <a:lumOff val="40000"/>
+                </a:schemeClr>
+              </a:gs>
+            </a:gsLst>
+            <a:lin ang="16200000" scaled="1"/>
+            <a:tileRect/>
+          </a:gradFill>
+          <a:ln>
+            <a:noFill/>
+          </a:ln>
+        </p:spPr>
+        <p:style>
+          <a:lnRef idx="0">
+            <a:scrgbClr r="0" g="0" b="0"/>
+          </a:lnRef>
+          <a:fillRef idx="0">
+            <a:scrgbClr r="0" g="0" b="0"/>
+          </a:fillRef>
+          <a:effectRef idx="0">
+            <a:scrgbClr r="0" g="0" b="0"/>
+          </a:effectRef>
+          <a:fontRef idx="minor">
+            <a:schemeClr val="lt1"/>
+          </a:fontRef>
+        </p:style>
+        <p:txBody>
+          <a:bodyPr rtlCol="0" anchor="ctr"/>
+          <a:lstStyle/>
+          <a:p>
+            <a:pPr algn="ctr"/>
+            <a:r>
+              <a:rPr kumimoji="1" lang="ja-JP" altLang="en-US" sz="7000" b="1" dirty="0">
+                <a:latin typeface="Meiryo" panose="020B0604030504040204" pitchFamily="34" charset="-128"/>
+                <a:ea typeface="Meiryo" panose="020B0604030504040204" pitchFamily="34" charset="-128"/>
+              </a:rPr>
+              <a:t>結果画面のイメージ</a:t>
+            </a:r>
+          </a:p>
+        </p:txBody>
+      </p:sp>
+      <p:grpSp>
+        <p:nvGrpSpPr>
+          <p:cNvPr id="92" name="グループ化 91">
+            <a:extLst>
+              <a:ext uri="{FF2B5EF4-FFF2-40B4-BE49-F238E27FC236}">
+                <a16:creationId xmlns:a16="http://schemas.microsoft.com/office/drawing/2014/main" id="{6F54A0EA-D618-EC4E-8EEF-502E1B6C6E89}"/>
+              </a:ext>
+            </a:extLst>
+          </p:cNvPr>
+          <p:cNvGrpSpPr/>
+          <p:nvPr/>
+        </p:nvGrpSpPr>
+        <p:grpSpPr>
+          <a:xfrm>
+            <a:off x="17090869" y="27444584"/>
+            <a:ext cx="12500972" cy="6035310"/>
+            <a:chOff x="17013927" y="26988852"/>
+            <a:chExt cx="12500972" cy="6035310"/>
+          </a:xfrm>
+        </p:grpSpPr>
+        <p:sp>
+          <p:nvSpPr>
+            <p:cNvPr id="79" name="テキスト ボックス 78">
+              <a:extLst>
+                <a:ext uri="{FF2B5EF4-FFF2-40B4-BE49-F238E27FC236}">
+                  <a16:creationId xmlns:a16="http://schemas.microsoft.com/office/drawing/2014/main" id="{7C26B49C-690A-4A48-8854-A5F30F7A312A}"/>
+                </a:ext>
+              </a:extLst>
+            </p:cNvPr>
+            <p:cNvSpPr txBox="1"/>
+            <p:nvPr/>
+          </p:nvSpPr>
+          <p:spPr>
+            <a:xfrm>
+              <a:off x="19615960" y="32008499"/>
+              <a:ext cx="9898939" cy="1015663"/>
+            </a:xfrm>
+            <a:prstGeom prst="rect">
+              <a:avLst/>
+            </a:prstGeom>
+            <a:noFill/>
+          </p:spPr>
+          <p:txBody>
+            <a:bodyPr wrap="square" rtlCol="0">
+              <a:spAutoFit/>
+            </a:bodyPr>
+            <a:lstStyle/>
+            <a:p>
+              <a:r>
+                <a:rPr lang="en-US" altLang="ja-JP" sz="6000" b="1" dirty="0"/>
+                <a:t>h</a:t>
+              </a:r>
+              <a:r>
+                <a:rPr kumimoji="1" lang="en-US" altLang="ja-JP" sz="6000" b="1" dirty="0"/>
+                <a:t>ttp://</a:t>
+              </a:r>
+              <a:r>
+                <a:rPr kumimoji="1" lang="en-US" altLang="ja-JP" sz="6000" b="1" dirty="0" err="1"/>
+                <a:t>www.</a:t>
+              </a:r>
+              <a:r>
+                <a:rPr lang="en-US" altLang="ja-JP" sz="6000" b="1" dirty="0" err="1"/>
+                <a:t>ZZ</a:t>
+              </a:r>
+              <a:r>
+                <a:rPr kumimoji="1" lang="en-US" altLang="ja-JP" sz="6000" b="1" dirty="0" err="1"/>
+                <a:t>.com</a:t>
+              </a:r>
+              <a:r>
+                <a:rPr kumimoji="1" lang="en-US" altLang="ja-JP" sz="6000" b="1" dirty="0"/>
+                <a:t>/</a:t>
+              </a:r>
+              <a:r>
+                <a:rPr lang="en-US" altLang="ja-JP" sz="6000" b="1" dirty="0" err="1"/>
+                <a:t>XYZ</a:t>
+              </a:r>
+              <a:r>
+                <a:rPr kumimoji="1" lang="en-US" altLang="ja-JP" sz="6000" b="1" dirty="0" err="1"/>
+                <a:t>.html</a:t>
+              </a:r>
+              <a:endParaRPr kumimoji="1" lang="ja-JP" altLang="en-US" sz="6000" b="1" dirty="0"/>
+            </a:p>
+          </p:txBody>
+        </p:sp>
+        <p:sp>
+          <p:nvSpPr>
+            <p:cNvPr id="75" name="テキスト ボックス 74">
+              <a:extLst>
+                <a:ext uri="{FF2B5EF4-FFF2-40B4-BE49-F238E27FC236}">
+                  <a16:creationId xmlns:a16="http://schemas.microsoft.com/office/drawing/2014/main" id="{31CE72DC-107B-8148-89B3-519C017B753F}"/>
+                </a:ext>
+              </a:extLst>
+            </p:cNvPr>
+            <p:cNvSpPr txBox="1"/>
+            <p:nvPr/>
+          </p:nvSpPr>
+          <p:spPr>
+            <a:xfrm>
+              <a:off x="18927497" y="29661919"/>
+              <a:ext cx="9453029" cy="1015663"/>
+            </a:xfrm>
+            <a:prstGeom prst="rect">
+              <a:avLst/>
+            </a:prstGeom>
+            <a:noFill/>
+          </p:spPr>
+          <p:txBody>
+            <a:bodyPr wrap="square" rtlCol="0">
+              <a:spAutoFit/>
+            </a:bodyPr>
+            <a:lstStyle/>
+            <a:p>
+              <a:r>
+                <a:rPr lang="en-US" altLang="ja-JP" sz="6000" b="1" dirty="0"/>
+                <a:t>h</a:t>
+              </a:r>
+              <a:r>
+                <a:rPr kumimoji="1" lang="en-US" altLang="ja-JP" sz="6000" b="1" dirty="0"/>
+                <a:t>ttp://</a:t>
+              </a:r>
+              <a:r>
+                <a:rPr kumimoji="1" lang="en-US" altLang="ja-JP" sz="6000" b="1" dirty="0" err="1"/>
+                <a:t>example.co</a:t>
+              </a:r>
+              <a:r>
+                <a:rPr lang="en-US" altLang="ja-JP" sz="6000" b="1" dirty="0" err="1"/>
+                <a:t>m</a:t>
+              </a:r>
+              <a:r>
+                <a:rPr lang="en-US" altLang="ja-JP" sz="6000" b="1" dirty="0"/>
+                <a:t>/</a:t>
+              </a:r>
+              <a:r>
+                <a:rPr lang="en-US" altLang="ja-JP" sz="6000" b="1" dirty="0" err="1"/>
+                <a:t>script.js</a:t>
+              </a:r>
+              <a:endParaRPr kumimoji="1" lang="ja-JP" altLang="en-US" sz="6000" b="1" dirty="0"/>
+            </a:p>
+          </p:txBody>
+        </p:sp>
+        <p:sp>
+          <p:nvSpPr>
+            <p:cNvPr id="64" name="テキスト ボックス 63">
+              <a:extLst>
+                <a:ext uri="{FF2B5EF4-FFF2-40B4-BE49-F238E27FC236}">
+                  <a16:creationId xmlns:a16="http://schemas.microsoft.com/office/drawing/2014/main" id="{A898CB0A-CC5C-6340-A923-9294B6A14BF5}"/>
+                </a:ext>
+              </a:extLst>
+            </p:cNvPr>
+            <p:cNvSpPr txBox="1"/>
+            <p:nvPr/>
+          </p:nvSpPr>
+          <p:spPr>
+            <a:xfrm>
+              <a:off x="17531919" y="26988852"/>
+              <a:ext cx="7749704" cy="1015663"/>
+            </a:xfrm>
+            <a:prstGeom prst="rect">
+              <a:avLst/>
+            </a:prstGeom>
+            <a:noFill/>
+          </p:spPr>
+          <p:txBody>
+            <a:bodyPr wrap="square" rtlCol="0">
+              <a:spAutoFit/>
+            </a:bodyPr>
+            <a:lstStyle/>
+            <a:p>
+              <a:r>
+                <a:rPr lang="en-US" altLang="ja-JP" sz="6000" b="1" dirty="0"/>
+                <a:t>h</a:t>
+              </a:r>
+              <a:r>
+                <a:rPr kumimoji="1" lang="en-US" altLang="ja-JP" sz="6000" b="1" dirty="0"/>
+                <a:t>ttp://</a:t>
+              </a:r>
+              <a:r>
+                <a:rPr kumimoji="1" lang="en-US" altLang="ja-JP" sz="6000" b="1" dirty="0" err="1"/>
+                <a:t>example.com</a:t>
+              </a:r>
+              <a:endParaRPr kumimoji="1" lang="ja-JP" altLang="en-US" sz="6000" b="1" dirty="0"/>
+            </a:p>
+          </p:txBody>
+        </p:sp>
+        <p:sp>
+          <p:nvSpPr>
+            <p:cNvPr id="65" name="円/楕円 64">
+              <a:extLst>
+                <a:ext uri="{FF2B5EF4-FFF2-40B4-BE49-F238E27FC236}">
+                  <a16:creationId xmlns:a16="http://schemas.microsoft.com/office/drawing/2014/main" id="{5FEE22F2-A2E9-7043-9CA6-780623486F0F}"/>
+                </a:ext>
+              </a:extLst>
+            </p:cNvPr>
+            <p:cNvSpPr/>
+            <p:nvPr/>
+          </p:nvSpPr>
+          <p:spPr>
+            <a:xfrm>
+              <a:off x="17013927" y="27245155"/>
+              <a:ext cx="453123" cy="503059"/>
+            </a:xfrm>
+            <a:prstGeom prst="ellipse">
+              <a:avLst/>
+            </a:prstGeom>
+          </p:spPr>
+          <p:style>
+            <a:lnRef idx="2">
+              <a:schemeClr val="accent1">
+                <a:shade val="50000"/>
+              </a:schemeClr>
+            </a:lnRef>
+            <a:fillRef idx="1">
+              <a:schemeClr val="accent1"/>
+            </a:fillRef>
+            <a:effectRef idx="0">
+              <a:schemeClr val="accent1"/>
+            </a:effectRef>
+            <a:fontRef idx="minor">
+              <a:schemeClr val="lt1"/>
+            </a:fontRef>
+          </p:style>
+          <p:txBody>
+            <a:bodyPr rtlCol="0" anchor="ctr"/>
+            <a:lstStyle/>
+            <a:p>
+              <a:pPr algn="ctr"/>
+              <a:endParaRPr kumimoji="1" lang="ja-JP" altLang="en-US"/>
+            </a:p>
+          </p:txBody>
+        </p:sp>
+        <p:sp>
+          <p:nvSpPr>
+            <p:cNvPr id="66" name="円/楕円 65">
+              <a:extLst>
+                <a:ext uri="{FF2B5EF4-FFF2-40B4-BE49-F238E27FC236}">
+                  <a16:creationId xmlns:a16="http://schemas.microsoft.com/office/drawing/2014/main" id="{4DCE81E0-5418-0542-93F6-19CA84FDBCED}"/>
+                </a:ext>
+              </a:extLst>
+            </p:cNvPr>
+            <p:cNvSpPr/>
+            <p:nvPr/>
+          </p:nvSpPr>
+          <p:spPr>
+            <a:xfrm>
+              <a:off x="17683924" y="28591065"/>
+              <a:ext cx="453123" cy="503059"/>
+            </a:xfrm>
+            <a:prstGeom prst="ellipse">
+              <a:avLst/>
+            </a:prstGeom>
+          </p:spPr>
+          <p:style>
+            <a:lnRef idx="2">
+              <a:schemeClr val="accent1">
+                <a:shade val="50000"/>
+              </a:schemeClr>
+            </a:lnRef>
+            <a:fillRef idx="1">
+              <a:schemeClr val="accent1"/>
+            </a:fillRef>
+            <a:effectRef idx="0">
+              <a:schemeClr val="accent1"/>
+            </a:effectRef>
+            <a:fontRef idx="minor">
+              <a:schemeClr val="lt1"/>
+            </a:fontRef>
+          </p:style>
+          <p:txBody>
+            <a:bodyPr rtlCol="0" anchor="ctr"/>
+            <a:lstStyle/>
+            <a:p>
+              <a:pPr algn="ctr"/>
+              <a:endParaRPr kumimoji="1" lang="ja-JP" altLang="en-US"/>
+            </a:p>
+          </p:txBody>
+        </p:sp>
+        <p:cxnSp>
+          <p:nvCxnSpPr>
+            <p:cNvPr id="68" name="カギ線コネクタ 67">
+              <a:extLst>
+                <a:ext uri="{FF2B5EF4-FFF2-40B4-BE49-F238E27FC236}">
+                  <a16:creationId xmlns:a16="http://schemas.microsoft.com/office/drawing/2014/main" id="{C52698C1-11A0-C24D-BA26-ABCE66A0DB9A}"/>
+                </a:ext>
+              </a:extLst>
+            </p:cNvPr>
+            <p:cNvCxnSpPr>
+              <a:stCxn id="65" idx="4"/>
+              <a:endCxn id="66" idx="2"/>
+            </p:cNvCxnSpPr>
+            <p:nvPr/>
+          </p:nvCxnSpPr>
+          <p:spPr>
+            <a:xfrm rot="16200000" flipH="1">
+              <a:off x="16915016" y="28073686"/>
+              <a:ext cx="1094381" cy="443435"/>
+            </a:xfrm>
+            <a:prstGeom prst="bentConnector2">
+              <a:avLst/>
+            </a:prstGeom>
+          </p:spPr>
+          <p:style>
+            <a:lnRef idx="1">
+              <a:schemeClr val="accent1"/>
+            </a:lnRef>
+            <a:fillRef idx="0">
+              <a:schemeClr val="accent1"/>
+            </a:fillRef>
+            <a:effectRef idx="0">
+              <a:schemeClr val="accent1"/>
+            </a:effectRef>
+            <a:fontRef idx="minor">
+              <a:schemeClr val="tx1"/>
+            </a:fontRef>
+          </p:style>
+        </p:cxnSp>
+        <p:sp>
+          <p:nvSpPr>
+            <p:cNvPr id="69" name="テキスト ボックス 68">
+              <a:extLst>
+                <a:ext uri="{FF2B5EF4-FFF2-40B4-BE49-F238E27FC236}">
+                  <a16:creationId xmlns:a16="http://schemas.microsoft.com/office/drawing/2014/main" id="{1486B1BC-5A8A-2845-8BB3-9EE10EDA705A}"/>
+                </a:ext>
+              </a:extLst>
+            </p:cNvPr>
+            <p:cNvSpPr txBox="1"/>
+            <p:nvPr/>
+          </p:nvSpPr>
+          <p:spPr>
+            <a:xfrm>
+              <a:off x="18195182" y="28334762"/>
+              <a:ext cx="10185344" cy="1015663"/>
+            </a:xfrm>
+            <a:prstGeom prst="rect">
+              <a:avLst/>
+            </a:prstGeom>
+            <a:noFill/>
+          </p:spPr>
+          <p:txBody>
+            <a:bodyPr wrap="square" rtlCol="0">
+              <a:spAutoFit/>
+            </a:bodyPr>
+            <a:lstStyle/>
+            <a:p>
+              <a:r>
+                <a:rPr lang="en-US" altLang="ja-JP" sz="6000" b="1" dirty="0"/>
+                <a:t>h</a:t>
+              </a:r>
+              <a:r>
+                <a:rPr kumimoji="1" lang="en-US" altLang="ja-JP" sz="6000" b="1" dirty="0"/>
+                <a:t>ttp://</a:t>
+              </a:r>
+              <a:r>
+                <a:rPr kumimoji="1" lang="en-US" altLang="ja-JP" sz="6000" b="1" dirty="0" err="1"/>
+                <a:t>example.co</a:t>
+              </a:r>
+              <a:r>
+                <a:rPr lang="en-US" altLang="ja-JP" sz="6000" b="1" dirty="0" err="1"/>
+                <a:t>m</a:t>
+              </a:r>
+              <a:r>
+                <a:rPr lang="en-US" altLang="ja-JP" sz="6000" b="1" dirty="0"/>
+                <a:t>/</a:t>
+              </a:r>
+              <a:r>
+                <a:rPr lang="en-US" altLang="ja-JP" sz="6000" b="1" dirty="0" err="1"/>
+                <a:t>page.html</a:t>
+              </a:r>
+              <a:endParaRPr kumimoji="1" lang="ja-JP" altLang="en-US" sz="6000" b="1" dirty="0"/>
+            </a:p>
+          </p:txBody>
+        </p:sp>
+        <p:sp>
+          <p:nvSpPr>
+            <p:cNvPr id="71" name="円/楕円 70">
+              <a:extLst>
+                <a:ext uri="{FF2B5EF4-FFF2-40B4-BE49-F238E27FC236}">
+                  <a16:creationId xmlns:a16="http://schemas.microsoft.com/office/drawing/2014/main" id="{A1BB874A-CE0D-F94E-9337-3DBAF77348C5}"/>
+                </a:ext>
+              </a:extLst>
+            </p:cNvPr>
+            <p:cNvSpPr/>
+            <p:nvPr/>
+          </p:nvSpPr>
+          <p:spPr>
+            <a:xfrm>
+              <a:off x="18353919" y="29936628"/>
+              <a:ext cx="453123" cy="503059"/>
+            </a:xfrm>
+            <a:prstGeom prst="ellipse">
+              <a:avLst/>
+            </a:prstGeom>
+          </p:spPr>
+          <p:style>
+            <a:lnRef idx="2">
+              <a:schemeClr val="accent1">
+                <a:shade val="50000"/>
+              </a:schemeClr>
+            </a:lnRef>
+            <a:fillRef idx="1">
+              <a:schemeClr val="accent1"/>
+            </a:fillRef>
+            <a:effectRef idx="0">
+              <a:schemeClr val="accent1"/>
+            </a:effectRef>
+            <a:fontRef idx="minor">
+              <a:schemeClr val="lt1"/>
+            </a:fontRef>
+          </p:style>
+          <p:txBody>
+            <a:bodyPr rtlCol="0" anchor="ctr"/>
+            <a:lstStyle/>
+            <a:p>
+              <a:pPr algn="ctr"/>
+              <a:endParaRPr kumimoji="1" lang="ja-JP" altLang="en-US"/>
+            </a:p>
+          </p:txBody>
+        </p:sp>
+        <p:sp>
+          <p:nvSpPr>
+            <p:cNvPr id="72" name="円/楕円 71">
+              <a:extLst>
+                <a:ext uri="{FF2B5EF4-FFF2-40B4-BE49-F238E27FC236}">
+                  <a16:creationId xmlns:a16="http://schemas.microsoft.com/office/drawing/2014/main" id="{61FCC5CB-F00A-DC41-B2CA-9C94D2E31FB8}"/>
+                </a:ext>
+              </a:extLst>
+            </p:cNvPr>
+            <p:cNvSpPr/>
+            <p:nvPr/>
+          </p:nvSpPr>
+          <p:spPr>
+            <a:xfrm>
+              <a:off x="18353918" y="30974055"/>
+              <a:ext cx="453123" cy="503059"/>
+            </a:xfrm>
+            <a:prstGeom prst="ellipse">
+              <a:avLst/>
+            </a:prstGeom>
+          </p:spPr>
+          <p:style>
+            <a:lnRef idx="2">
+              <a:schemeClr val="accent1">
+                <a:shade val="50000"/>
+              </a:schemeClr>
+            </a:lnRef>
+            <a:fillRef idx="1">
+              <a:schemeClr val="accent1"/>
+            </a:fillRef>
+            <a:effectRef idx="0">
+              <a:schemeClr val="accent1"/>
+            </a:effectRef>
+            <a:fontRef idx="minor">
+              <a:schemeClr val="lt1"/>
+            </a:fontRef>
+          </p:style>
+          <p:txBody>
+            <a:bodyPr rtlCol="0" anchor="ctr"/>
+            <a:lstStyle/>
+            <a:p>
+              <a:pPr algn="ctr"/>
+              <a:endParaRPr kumimoji="1" lang="ja-JP" altLang="en-US"/>
+            </a:p>
+          </p:txBody>
+        </p:sp>
+        <p:cxnSp>
+          <p:nvCxnSpPr>
+            <p:cNvPr id="73" name="カギ線コネクタ 72">
+              <a:extLst>
+                <a:ext uri="{FF2B5EF4-FFF2-40B4-BE49-F238E27FC236}">
+                  <a16:creationId xmlns:a16="http://schemas.microsoft.com/office/drawing/2014/main" id="{714C6D94-4314-C442-8B7C-F38DBCEECD19}"/>
+                </a:ext>
+              </a:extLst>
+            </p:cNvPr>
+            <p:cNvCxnSpPr/>
+            <p:nvPr/>
+          </p:nvCxnSpPr>
+          <p:spPr>
+            <a:xfrm rot="16200000" flipH="1">
+              <a:off x="17585012" y="29407347"/>
+              <a:ext cx="1094381" cy="443435"/>
+            </a:xfrm>
+            <a:prstGeom prst="bentConnector2">
+              <a:avLst/>
+            </a:prstGeom>
+          </p:spPr>
+          <p:style>
+            <a:lnRef idx="1">
+              <a:schemeClr val="accent1"/>
+            </a:lnRef>
+            <a:fillRef idx="0">
+              <a:schemeClr val="accent1"/>
+            </a:fillRef>
+            <a:effectRef idx="0">
+              <a:schemeClr val="accent1"/>
+            </a:effectRef>
+            <a:fontRef idx="minor">
+              <a:schemeClr val="tx1"/>
+            </a:fontRef>
+          </p:style>
+        </p:cxnSp>
+        <p:cxnSp>
+          <p:nvCxnSpPr>
+            <p:cNvPr id="74" name="カギ線コネクタ 73">
+              <a:extLst>
+                <a:ext uri="{FF2B5EF4-FFF2-40B4-BE49-F238E27FC236}">
+                  <a16:creationId xmlns:a16="http://schemas.microsoft.com/office/drawing/2014/main" id="{27C10A72-2A48-7B4E-844F-17CC177AD21D}"/>
+                </a:ext>
+              </a:extLst>
+            </p:cNvPr>
+            <p:cNvCxnSpPr/>
+            <p:nvPr/>
+          </p:nvCxnSpPr>
+          <p:spPr>
+            <a:xfrm rot="16200000" flipH="1">
+              <a:off x="17585012" y="30468927"/>
+              <a:ext cx="1094381" cy="443435"/>
+            </a:xfrm>
+            <a:prstGeom prst="bentConnector2">
+              <a:avLst/>
+            </a:prstGeom>
+          </p:spPr>
+          <p:style>
+            <a:lnRef idx="1">
+              <a:schemeClr val="accent1"/>
+            </a:lnRef>
+            <a:fillRef idx="0">
+              <a:schemeClr val="accent1"/>
+            </a:fillRef>
+            <a:effectRef idx="0">
+              <a:schemeClr val="accent1"/>
+            </a:effectRef>
+            <a:fontRef idx="minor">
+              <a:schemeClr val="tx1"/>
+            </a:fontRef>
+          </p:style>
+        </p:cxnSp>
+        <p:cxnSp>
+          <p:nvCxnSpPr>
+            <p:cNvPr id="76" name="カギ線コネクタ 75">
+              <a:extLst>
+                <a:ext uri="{FF2B5EF4-FFF2-40B4-BE49-F238E27FC236}">
+                  <a16:creationId xmlns:a16="http://schemas.microsoft.com/office/drawing/2014/main" id="{F5E2400B-5F65-D341-AC68-290AAFAA33BD}"/>
+                </a:ext>
+              </a:extLst>
+            </p:cNvPr>
+            <p:cNvCxnSpPr/>
+            <p:nvPr/>
+          </p:nvCxnSpPr>
+          <p:spPr>
+            <a:xfrm rot="16200000" flipH="1">
+              <a:off x="18252815" y="31801873"/>
+              <a:ext cx="1094381" cy="443435"/>
+            </a:xfrm>
+            <a:prstGeom prst="bentConnector2">
+              <a:avLst/>
+            </a:prstGeom>
+          </p:spPr>
+          <p:style>
+            <a:lnRef idx="1">
+              <a:schemeClr val="accent1"/>
+            </a:lnRef>
+            <a:fillRef idx="0">
+              <a:schemeClr val="accent1"/>
+            </a:fillRef>
+            <a:effectRef idx="0">
+              <a:schemeClr val="accent1"/>
+            </a:effectRef>
+            <a:fontRef idx="minor">
+              <a:schemeClr val="tx1"/>
+            </a:fontRef>
+          </p:style>
+        </p:cxnSp>
+        <p:sp>
+          <p:nvSpPr>
+            <p:cNvPr id="77" name="円/楕円 76">
+              <a:extLst>
+                <a:ext uri="{FF2B5EF4-FFF2-40B4-BE49-F238E27FC236}">
+                  <a16:creationId xmlns:a16="http://schemas.microsoft.com/office/drawing/2014/main" id="{F49CCB56-C411-CE45-AEA1-F12BB46DAEFB}"/>
+                </a:ext>
+              </a:extLst>
+            </p:cNvPr>
+            <p:cNvSpPr/>
+            <p:nvPr/>
+          </p:nvSpPr>
+          <p:spPr>
+            <a:xfrm>
+              <a:off x="19043122" y="32287182"/>
+              <a:ext cx="453123" cy="503059"/>
+            </a:xfrm>
+            <a:prstGeom prst="ellipse">
+              <a:avLst/>
+            </a:prstGeom>
+          </p:spPr>
+          <p:style>
+            <a:lnRef idx="2">
+              <a:schemeClr val="accent1">
+                <a:shade val="50000"/>
+              </a:schemeClr>
+            </a:lnRef>
+            <a:fillRef idx="1">
+              <a:schemeClr val="accent1"/>
+            </a:fillRef>
+            <a:effectRef idx="0">
+              <a:schemeClr val="accent1"/>
+            </a:effectRef>
+            <a:fontRef idx="minor">
+              <a:schemeClr val="lt1"/>
+            </a:fontRef>
+          </p:style>
+          <p:txBody>
+            <a:bodyPr rtlCol="0" anchor="ctr"/>
+            <a:lstStyle/>
+            <a:p>
+              <a:pPr algn="ctr"/>
+              <a:endParaRPr kumimoji="1" lang="ja-JP" altLang="en-US"/>
+            </a:p>
+          </p:txBody>
+        </p:sp>
+        <p:sp>
+          <p:nvSpPr>
+            <p:cNvPr id="78" name="テキスト ボックス 77">
+              <a:extLst>
+                <a:ext uri="{FF2B5EF4-FFF2-40B4-BE49-F238E27FC236}">
+                  <a16:creationId xmlns:a16="http://schemas.microsoft.com/office/drawing/2014/main" id="{C66CF64C-96C2-4D45-92D4-2433987102FF}"/>
+                </a:ext>
+              </a:extLst>
+            </p:cNvPr>
+            <p:cNvSpPr txBox="1"/>
+            <p:nvPr/>
+          </p:nvSpPr>
+          <p:spPr>
+            <a:xfrm>
+              <a:off x="18927497" y="30730003"/>
+              <a:ext cx="9453029" cy="1015663"/>
+            </a:xfrm>
+            <a:prstGeom prst="rect">
+              <a:avLst/>
+            </a:prstGeom>
+            <a:noFill/>
+          </p:spPr>
+          <p:txBody>
+            <a:bodyPr wrap="square" rtlCol="0">
+              <a:spAutoFit/>
+            </a:bodyPr>
+            <a:lstStyle/>
+            <a:p>
+              <a:r>
+                <a:rPr lang="en-US" altLang="ja-JP" sz="6000" b="1" dirty="0"/>
+                <a:t>h</a:t>
+              </a:r>
+              <a:r>
+                <a:rPr kumimoji="1" lang="en-US" altLang="ja-JP" sz="6000" b="1" dirty="0"/>
+                <a:t>ttp://</a:t>
+              </a:r>
+              <a:r>
+                <a:rPr kumimoji="1" lang="en-US" altLang="ja-JP" sz="6000" b="1" dirty="0" err="1"/>
+                <a:t>www.XX.com</a:t>
+              </a:r>
+              <a:r>
+                <a:rPr kumimoji="1" lang="en-US" altLang="ja-JP" sz="6000" b="1" dirty="0"/>
+                <a:t>/</a:t>
+              </a:r>
+              <a:r>
+                <a:rPr kumimoji="1" lang="en-US" altLang="ja-JP" sz="6000" b="1" dirty="0" err="1"/>
+                <a:t>YY.html</a:t>
+              </a:r>
+              <a:endParaRPr kumimoji="1" lang="ja-JP" altLang="en-US" sz="6000" b="1" dirty="0"/>
+            </a:p>
+          </p:txBody>
+        </p:sp>
+      </p:grpSp>
     </p:spTree>
     <p:extLst>
       <p:ext uri="{BB962C8B-B14F-4D97-AF65-F5344CB8AC3E}">

--- a/session.pptx
+++ b/session.pptx
@@ -3829,8 +3829,8 @@
         </p:nvSpPr>
         <p:spPr>
           <a:xfrm>
-            <a:off x="473627" y="36228244"/>
-            <a:ext cx="29285386" cy="6398363"/>
+            <a:off x="473627" y="36228245"/>
+            <a:ext cx="29285386" cy="6122734"/>
           </a:xfrm>
           <a:prstGeom prst="rect">
             <a:avLst/>
@@ -4319,8 +4319,8 @@
         </p:nvSpPr>
         <p:spPr>
           <a:xfrm>
-            <a:off x="0" y="6420200"/>
-            <a:ext cx="30232640" cy="1209730"/>
+            <a:off x="473627" y="6273835"/>
+            <a:ext cx="29306662" cy="1356097"/>
           </a:xfrm>
           <a:prstGeom prst="rect">
             <a:avLst/>
@@ -4463,8 +4463,8 @@
         </p:nvSpPr>
         <p:spPr>
           <a:xfrm>
-            <a:off x="0" y="16874994"/>
-            <a:ext cx="30232640" cy="1209730"/>
+            <a:off x="473626" y="17043084"/>
+            <a:ext cx="29306663" cy="1225877"/>
           </a:xfrm>
           <a:prstGeom prst="rect">
             <a:avLst/>
@@ -4545,8 +4545,8 @@
         </p:nvSpPr>
         <p:spPr>
           <a:xfrm>
-            <a:off x="0" y="34826373"/>
-            <a:ext cx="30232640" cy="1209730"/>
+            <a:off x="473626" y="34907320"/>
+            <a:ext cx="29306663" cy="1128783"/>
           </a:xfrm>
           <a:prstGeom prst="rect">
             <a:avLst/>

--- a/session.pptx
+++ b/session.pptx
@@ -4178,7 +4178,7 @@
         <p:spPr>
           <a:xfrm>
             <a:off x="659593" y="625658"/>
-            <a:ext cx="29019995" cy="5157369"/>
+            <a:ext cx="29019995" cy="5317930"/>
           </a:xfrm>
           <a:prstGeom prst="roundRect">
             <a:avLst/>
@@ -4261,7 +4261,6 @@
           </a:bodyPr>
           <a:lstStyle/>
           <a:p>
-            <a:pPr algn="ctr"/>
             <a:r>
               <a:rPr lang="ja-JP" altLang="en-US" sz="10500" b="1" dirty="0">
                 <a:solidFill>
@@ -4281,7 +4280,6 @@
             </a:endParaRPr>
           </a:p>
           <a:p>
-            <a:pPr algn="ctr"/>
             <a:r>
               <a:rPr lang="en-US" altLang="ja-JP" sz="10500" b="1" dirty="0">
                 <a:solidFill>
@@ -4401,8 +4399,8 @@
         </p:nvSpPr>
         <p:spPr>
           <a:xfrm>
-            <a:off x="9795918" y="4341555"/>
-            <a:ext cx="10747343" cy="1400383"/>
+            <a:off x="7048500" y="4294390"/>
+            <a:ext cx="22377283" cy="1400383"/>
           </a:xfrm>
           <a:prstGeom prst="rect">
             <a:avLst/>
@@ -4416,26 +4414,6 @@
           <a:lstStyle/>
           <a:p>
             <a:pPr algn="ctr"/>
-            <a:r>
-              <a:rPr lang="ja-JP" altLang="en-US" sz="8500" b="1" dirty="0">
-                <a:solidFill>
-                  <a:schemeClr val="bg1"/>
-                </a:solidFill>
-                <a:latin typeface="Meiryo" panose="020B0604030504040204" pitchFamily="34" charset="-128"/>
-                <a:ea typeface="Meiryo" panose="020B0604030504040204" pitchFamily="34" charset="-128"/>
-              </a:rPr>
-              <a:t>情</a:t>
-            </a:r>
-            <a:r>
-              <a:rPr lang="en-US" altLang="ja-JP" sz="8500" b="1" dirty="0">
-                <a:solidFill>
-                  <a:schemeClr val="bg1"/>
-                </a:solidFill>
-                <a:latin typeface="Meiryo" panose="020B0604030504040204" pitchFamily="34" charset="-128"/>
-                <a:ea typeface="Meiryo" panose="020B0604030504040204" pitchFamily="34" charset="-128"/>
-              </a:rPr>
-              <a:t>14-99 </a:t>
-            </a:r>
             <a:r>
               <a:rPr lang="ja-JP" altLang="en-US" sz="8500" b="1" dirty="0">
                 <a:solidFill>
@@ -4446,6 +4424,43 @@
               </a:rPr>
               <a:t>尾崎 幸也</a:t>
             </a:r>
+            <a:r>
+              <a:rPr lang="en-US" altLang="ja-JP" sz="8500" b="1" dirty="0">
+                <a:solidFill>
+                  <a:schemeClr val="bg1"/>
+                </a:solidFill>
+                <a:latin typeface="Meiryo" panose="020B0604030504040204" pitchFamily="34" charset="-128"/>
+                <a:ea typeface="Meiryo" panose="020B0604030504040204" pitchFamily="34" charset="-128"/>
+              </a:rPr>
+              <a:t>-</a:t>
+            </a:r>
+            <a:r>
+              <a:rPr lang="ja-JP" altLang="en-US" sz="8500" b="1" dirty="0">
+                <a:solidFill>
+                  <a:schemeClr val="bg1"/>
+                </a:solidFill>
+                <a:latin typeface="Meiryo" panose="020B0604030504040204" pitchFamily="34" charset="-128"/>
+                <a:ea typeface="Meiryo" panose="020B0604030504040204" pitchFamily="34" charset="-128"/>
+              </a:rPr>
+              <a:t>関西大学総合情報学部 小林研究室</a:t>
+            </a:r>
+            <a:r>
+              <a:rPr lang="en-US" altLang="ja-JP" sz="8500" b="1" dirty="0">
+                <a:solidFill>
+                  <a:schemeClr val="bg1"/>
+                </a:solidFill>
+                <a:latin typeface="Meiryo" panose="020B0604030504040204" pitchFamily="34" charset="-128"/>
+                <a:ea typeface="Meiryo" panose="020B0604030504040204" pitchFamily="34" charset="-128"/>
+              </a:rPr>
+              <a:t> </a:t>
+            </a:r>
+            <a:endParaRPr lang="ja-JP" altLang="en-US" sz="8500" b="1" dirty="0">
+              <a:solidFill>
+                <a:schemeClr val="bg1"/>
+              </a:solidFill>
+              <a:latin typeface="Meiryo" panose="020B0604030504040204" pitchFamily="34" charset="-128"/>
+              <a:ea typeface="Meiryo" panose="020B0604030504040204" pitchFamily="34" charset="-128"/>
+            </a:endParaRPr>
           </a:p>
         </p:txBody>
       </p:sp>

--- a/session.pptx
+++ b/session.pptx
@@ -4399,7 +4399,7 @@
         </p:nvSpPr>
         <p:spPr>
           <a:xfrm>
-            <a:off x="7048500" y="4294390"/>
+            <a:off x="7108146" y="4446575"/>
             <a:ext cx="22377283" cy="1400383"/>
           </a:xfrm>
           <a:prstGeom prst="rect">

--- a/session.pptx
+++ b/session.pptx
@@ -4317,8 +4317,8 @@
         </p:nvSpPr>
         <p:spPr>
           <a:xfrm>
-            <a:off x="473627" y="6273835"/>
-            <a:ext cx="29306662" cy="1356097"/>
+            <a:off x="473627" y="6149737"/>
+            <a:ext cx="29306662" cy="1480196"/>
           </a:xfrm>
           <a:prstGeom prst="rect">
             <a:avLst/>
@@ -4399,8 +4399,8 @@
         </p:nvSpPr>
         <p:spPr>
           <a:xfrm>
-            <a:off x="7108146" y="4446575"/>
-            <a:ext cx="22377283" cy="1400383"/>
+            <a:off x="6248400" y="4446575"/>
+            <a:ext cx="23237029" cy="1400383"/>
           </a:xfrm>
           <a:prstGeom prst="rect">
             <a:avLst/>
@@ -4422,7 +4422,7 @@
                 <a:latin typeface="Meiryo" panose="020B0604030504040204" pitchFamily="34" charset="-128"/>
                 <a:ea typeface="Meiryo" panose="020B0604030504040204" pitchFamily="34" charset="-128"/>
               </a:rPr>
-              <a:t>尾崎 幸也</a:t>
+              <a:t>尾崎 幸也 </a:t>
             </a:r>
             <a:r>
               <a:rPr lang="en-US" altLang="ja-JP" sz="8500" b="1" dirty="0">
@@ -4432,7 +4432,7 @@
                 <a:latin typeface="Meiryo" panose="020B0604030504040204" pitchFamily="34" charset="-128"/>
                 <a:ea typeface="Meiryo" panose="020B0604030504040204" pitchFamily="34" charset="-128"/>
               </a:rPr>
-              <a:t>-</a:t>
+              <a:t>- </a:t>
             </a:r>
             <a:r>
               <a:rPr lang="ja-JP" altLang="en-US" sz="8500" b="1" dirty="0">
@@ -4478,8 +4478,8 @@
         </p:nvSpPr>
         <p:spPr>
           <a:xfrm>
-            <a:off x="473626" y="17043084"/>
-            <a:ext cx="29306663" cy="1225877"/>
+            <a:off x="473626" y="16869134"/>
+            <a:ext cx="29306663" cy="1399828"/>
           </a:xfrm>
           <a:prstGeom prst="rect">
             <a:avLst/>
@@ -4526,7 +4526,9 @@
           </a:fontRef>
         </p:style>
         <p:txBody>
-          <a:bodyPr rtlCol="0" anchor="ctr"/>
+          <a:bodyPr tIns="54000" rtlCol="0" anchor="ctr">
+            <a:normAutofit/>
+          </a:bodyPr>
           <a:lstStyle/>
           <a:p>
             <a:r>
@@ -4560,8 +4562,8 @@
         </p:nvSpPr>
         <p:spPr>
           <a:xfrm>
-            <a:off x="473626" y="34907320"/>
-            <a:ext cx="29306663" cy="1128783"/>
+            <a:off x="473626" y="34649954"/>
+            <a:ext cx="29306663" cy="1386149"/>
           </a:xfrm>
           <a:prstGeom prst="rect">
             <a:avLst/>
@@ -4608,18 +4610,20 @@
           </a:fontRef>
         </p:style>
         <p:txBody>
-          <a:bodyPr rtlCol="0" anchor="ctr"/>
+          <a:bodyPr rtlCol="0" anchor="ctr" anchorCtr="0">
+            <a:noAutofit/>
+          </a:bodyPr>
           <a:lstStyle/>
           <a:p>
             <a:r>
-              <a:rPr lang="en-US" altLang="ja-JP" sz="8000" b="1" dirty="0">
+              <a:rPr lang="en-US" altLang="ja-JP" sz="8500" b="1" dirty="0">
                 <a:latin typeface="Meiryo" panose="020B0604030504040204" pitchFamily="34" charset="-128"/>
                 <a:ea typeface="Meiryo" panose="020B0604030504040204" pitchFamily="34" charset="-128"/>
               </a:rPr>
               <a:t>3. </a:t>
             </a:r>
             <a:r>
-              <a:rPr lang="ja-JP" altLang="en-US" sz="8000" b="1" dirty="0">
+              <a:rPr lang="ja-JP" altLang="en-US" sz="8500" b="1" dirty="0">
                 <a:latin typeface="Meiryo" panose="020B0604030504040204" pitchFamily="34" charset="-128"/>
                 <a:ea typeface="Meiryo" panose="020B0604030504040204" pitchFamily="34" charset="-128"/>
               </a:rPr>

--- a/session.pptx
+++ b/session.pptx
@@ -197,7 +197,7 @@
           <a:p>
             <a:fld id="{0EE0A817-612A-FB45-B280-AE8FAEB03BF6}" type="datetimeFigureOut">
               <a:rPr kumimoji="1" lang="ja-JP" altLang="en-US" smtClean="0"/>
-              <a:t>2018/1/25</a:t>
+              <a:t>2018/1/26</a:t>
             </a:fld>
             <a:endParaRPr kumimoji="1" lang="ja-JP" altLang="en-US"/>
           </a:p>
@@ -711,7 +711,7 @@
           <a:p>
             <a:fld id="{7482B4CC-7718-A941-8027-87F47512AE04}" type="datetimeFigureOut">
               <a:rPr kumimoji="1" lang="ja-JP" altLang="en-US" smtClean="0"/>
-              <a:t>2018/1/25</a:t>
+              <a:t>2018/1/26</a:t>
             </a:fld>
             <a:endParaRPr kumimoji="1" lang="ja-JP" altLang="en-US"/>
           </a:p>
@@ -913,7 +913,7 @@
           <a:p>
             <a:fld id="{7482B4CC-7718-A941-8027-87F47512AE04}" type="datetimeFigureOut">
               <a:rPr kumimoji="1" lang="ja-JP" altLang="en-US" smtClean="0"/>
-              <a:t>2018/1/25</a:t>
+              <a:t>2018/1/26</a:t>
             </a:fld>
             <a:endParaRPr kumimoji="1" lang="ja-JP" altLang="en-US"/>
           </a:p>
@@ -1125,7 +1125,7 @@
           <a:p>
             <a:fld id="{7482B4CC-7718-A941-8027-87F47512AE04}" type="datetimeFigureOut">
               <a:rPr kumimoji="1" lang="ja-JP" altLang="en-US" smtClean="0"/>
-              <a:t>2018/1/25</a:t>
+              <a:t>2018/1/26</a:t>
             </a:fld>
             <a:endParaRPr kumimoji="1" lang="ja-JP" altLang="en-US"/>
           </a:p>
@@ -1327,7 +1327,7 @@
           <a:p>
             <a:fld id="{7482B4CC-7718-A941-8027-87F47512AE04}" type="datetimeFigureOut">
               <a:rPr kumimoji="1" lang="ja-JP" altLang="en-US" smtClean="0"/>
-              <a:t>2018/1/25</a:t>
+              <a:t>2018/1/26</a:t>
             </a:fld>
             <a:endParaRPr kumimoji="1" lang="ja-JP" altLang="en-US"/>
           </a:p>
@@ -1571,7 +1571,7 @@
           <a:p>
             <a:fld id="{7482B4CC-7718-A941-8027-87F47512AE04}" type="datetimeFigureOut">
               <a:rPr kumimoji="1" lang="ja-JP" altLang="en-US" smtClean="0"/>
-              <a:t>2018/1/25</a:t>
+              <a:t>2018/1/26</a:t>
             </a:fld>
             <a:endParaRPr kumimoji="1" lang="ja-JP" altLang="en-US"/>
           </a:p>
@@ -1867,7 +1867,7 @@
           <a:p>
             <a:fld id="{7482B4CC-7718-A941-8027-87F47512AE04}" type="datetimeFigureOut">
               <a:rPr kumimoji="1" lang="ja-JP" altLang="en-US" smtClean="0"/>
-              <a:t>2018/1/25</a:t>
+              <a:t>2018/1/26</a:t>
             </a:fld>
             <a:endParaRPr kumimoji="1" lang="ja-JP" altLang="en-US"/>
           </a:p>
@@ -2298,7 +2298,7 @@
           <a:p>
             <a:fld id="{7482B4CC-7718-A941-8027-87F47512AE04}" type="datetimeFigureOut">
               <a:rPr kumimoji="1" lang="ja-JP" altLang="en-US" smtClean="0"/>
-              <a:t>2018/1/25</a:t>
+              <a:t>2018/1/26</a:t>
             </a:fld>
             <a:endParaRPr kumimoji="1" lang="ja-JP" altLang="en-US"/>
           </a:p>
@@ -2416,7 +2416,7 @@
           <a:p>
             <a:fld id="{7482B4CC-7718-A941-8027-87F47512AE04}" type="datetimeFigureOut">
               <a:rPr kumimoji="1" lang="ja-JP" altLang="en-US" smtClean="0"/>
-              <a:t>2018/1/25</a:t>
+              <a:t>2018/1/26</a:t>
             </a:fld>
             <a:endParaRPr kumimoji="1" lang="ja-JP" altLang="en-US"/>
           </a:p>
@@ -2511,7 +2511,7 @@
           <a:p>
             <a:fld id="{7482B4CC-7718-A941-8027-87F47512AE04}" type="datetimeFigureOut">
               <a:rPr kumimoji="1" lang="ja-JP" altLang="en-US" smtClean="0"/>
-              <a:t>2018/1/25</a:t>
+              <a:t>2018/1/26</a:t>
             </a:fld>
             <a:endParaRPr kumimoji="1" lang="ja-JP" altLang="en-US"/>
           </a:p>
@@ -2820,7 +2820,7 @@
           <a:p>
             <a:fld id="{7482B4CC-7718-A941-8027-87F47512AE04}" type="datetimeFigureOut">
               <a:rPr kumimoji="1" lang="ja-JP" altLang="en-US" smtClean="0"/>
-              <a:t>2018/1/25</a:t>
+              <a:t>2018/1/26</a:t>
             </a:fld>
             <a:endParaRPr kumimoji="1" lang="ja-JP" altLang="en-US"/>
           </a:p>
@@ -3077,7 +3077,7 @@
           <a:p>
             <a:fld id="{7482B4CC-7718-A941-8027-87F47512AE04}" type="datetimeFigureOut">
               <a:rPr kumimoji="1" lang="ja-JP" altLang="en-US" smtClean="0"/>
-              <a:t>2018/1/25</a:t>
+              <a:t>2018/1/26</a:t>
             </a:fld>
             <a:endParaRPr kumimoji="1" lang="ja-JP" altLang="en-US"/>
           </a:p>
@@ -3322,7 +3322,7 @@
           <a:p>
             <a:fld id="{7482B4CC-7718-A941-8027-87F47512AE04}" type="datetimeFigureOut">
               <a:rPr kumimoji="1" lang="ja-JP" altLang="en-US" smtClean="0"/>
-              <a:t>2018/1/25</a:t>
+              <a:t>2018/1/26</a:t>
             </a:fld>
             <a:endParaRPr kumimoji="1" lang="ja-JP" altLang="en-US"/>
           </a:p>
@@ -3817,10 +3817,10 @@
       </p:sp>
       <p:sp>
         <p:nvSpPr>
-          <p:cNvPr id="89" name="正方形/長方形 88">
+          <p:cNvPr id="80" name="正方形/長方形 79">
             <a:extLst>
               <a:ext uri="{FF2B5EF4-FFF2-40B4-BE49-F238E27FC236}">
-                <a16:creationId xmlns:a16="http://schemas.microsoft.com/office/drawing/2014/main" id="{ADD2E692-E63A-2C48-B019-9AAE38CAD426}"/>
+                <a16:creationId xmlns:a16="http://schemas.microsoft.com/office/drawing/2014/main" id="{A9413DB7-ABE1-E546-8868-165C30CB5093}"/>
               </a:ext>
             </a:extLst>
           </p:cNvPr>
@@ -3829,25 +3829,35 @@
         </p:nvSpPr>
         <p:spPr>
           <a:xfrm>
-            <a:off x="473627" y="36228245"/>
-            <a:ext cx="29285386" cy="6122734"/>
+            <a:off x="18319896" y="28797610"/>
+            <a:ext cx="10185344" cy="928757"/>
           </a:xfrm>
           <a:prstGeom prst="rect">
             <a:avLst/>
           </a:prstGeom>
+          <a:solidFill>
+            <a:schemeClr val="accent4"/>
+          </a:solidFill>
+          <a:ln>
+            <a:solidFill>
+              <a:schemeClr val="accent4"/>
+            </a:solidFill>
+          </a:ln>
         </p:spPr>
         <p:style>
           <a:lnRef idx="2">
-            <a:schemeClr val="accent1"/>
+            <a:schemeClr val="accent1">
+              <a:shade val="50000"/>
+            </a:schemeClr>
           </a:lnRef>
           <a:fillRef idx="1">
-            <a:schemeClr val="lt1"/>
+            <a:schemeClr val="accent1"/>
           </a:fillRef>
           <a:effectRef idx="0">
             <a:schemeClr val="accent1"/>
           </a:effectRef>
           <a:fontRef idx="minor">
-            <a:schemeClr val="dk1"/>
+            <a:schemeClr val="lt1"/>
           </a:fontRef>
         </p:style>
         <p:txBody>
@@ -3861,10 +3871,66 @@
       </p:sp>
       <p:sp>
         <p:nvSpPr>
-          <p:cNvPr id="86" name="正方形/長方形 85">
+          <p:cNvPr id="69" name="テキスト ボックス 68">
             <a:extLst>
               <a:ext uri="{FF2B5EF4-FFF2-40B4-BE49-F238E27FC236}">
-                <a16:creationId xmlns:a16="http://schemas.microsoft.com/office/drawing/2014/main" id="{49EEB74E-117D-F54C-8C1E-B8216A4CBD4F}"/>
+                <a16:creationId xmlns:a16="http://schemas.microsoft.com/office/drawing/2014/main" id="{1486B1BC-5A8A-2845-8BB3-9EE10EDA705A}"/>
+              </a:ext>
+            </a:extLst>
+          </p:cNvPr>
+          <p:cNvSpPr txBox="1"/>
+          <p:nvPr/>
+        </p:nvSpPr>
+        <p:spPr>
+          <a:xfrm>
+            <a:off x="18272124" y="28790494"/>
+            <a:ext cx="10185344" cy="1015663"/>
+          </a:xfrm>
+          <a:prstGeom prst="rect">
+            <a:avLst/>
+          </a:prstGeom>
+          <a:noFill/>
+        </p:spPr>
+        <p:txBody>
+          <a:bodyPr wrap="square" rtlCol="0">
+            <a:spAutoFit/>
+          </a:bodyPr>
+          <a:lstStyle/>
+          <a:p>
+            <a:r>
+              <a:rPr lang="en-US" altLang="ja-JP" sz="6000" b="1" dirty="0"/>
+              <a:t>h</a:t>
+            </a:r>
+            <a:r>
+              <a:rPr kumimoji="1" lang="en-US" altLang="ja-JP" sz="6000" b="1" dirty="0"/>
+              <a:t>ttp://</a:t>
+            </a:r>
+            <a:r>
+              <a:rPr kumimoji="1" lang="en-US" altLang="ja-JP" sz="6000" b="1" dirty="0" err="1"/>
+              <a:t>example.co</a:t>
+            </a:r>
+            <a:r>
+              <a:rPr lang="en-US" altLang="ja-JP" sz="6000" b="1" dirty="0" err="1"/>
+              <a:t>m</a:t>
+            </a:r>
+            <a:r>
+              <a:rPr lang="en-US" altLang="ja-JP" sz="6000" b="1" dirty="0"/>
+              <a:t>/</a:t>
+            </a:r>
+            <a:r>
+              <a:rPr lang="en-US" altLang="ja-JP" sz="6000" b="1" dirty="0" err="1"/>
+              <a:t>page.html</a:t>
+            </a:r>
+            <a:endParaRPr kumimoji="1" lang="ja-JP" altLang="en-US" sz="6000" b="1" dirty="0"/>
+          </a:p>
+        </p:txBody>
+      </p:sp>
+      <p:sp>
+        <p:nvSpPr>
+          <p:cNvPr id="83" name="正方形/長方形 82">
+            <a:extLst>
+              <a:ext uri="{FF2B5EF4-FFF2-40B4-BE49-F238E27FC236}">
+                <a16:creationId xmlns:a16="http://schemas.microsoft.com/office/drawing/2014/main" id="{099DDEED-A96D-6140-ADB5-676D2277BEBB}"/>
               </a:ext>
             </a:extLst>
           </p:cNvPr>
@@ -3873,25 +3939,35 @@
         </p:nvSpPr>
         <p:spPr>
           <a:xfrm>
-            <a:off x="494903" y="7785460"/>
-            <a:ext cx="29285386" cy="8934006"/>
+            <a:off x="19014440" y="31304880"/>
+            <a:ext cx="9509376" cy="853802"/>
           </a:xfrm>
           <a:prstGeom prst="rect">
             <a:avLst/>
           </a:prstGeom>
+          <a:solidFill>
+            <a:srgbClr val="B14EFF"/>
+          </a:solidFill>
+          <a:ln>
+            <a:solidFill>
+              <a:srgbClr val="B851FF"/>
+            </a:solidFill>
+          </a:ln>
         </p:spPr>
         <p:style>
           <a:lnRef idx="2">
-            <a:schemeClr val="accent1"/>
+            <a:schemeClr val="accent1">
+              <a:shade val="50000"/>
+            </a:schemeClr>
           </a:lnRef>
           <a:fillRef idx="1">
-            <a:schemeClr val="lt1"/>
+            <a:schemeClr val="accent1"/>
           </a:fillRef>
           <a:effectRef idx="0">
             <a:schemeClr val="accent1"/>
           </a:effectRef>
           <a:fontRef idx="minor">
-            <a:schemeClr val="dk1"/>
+            <a:schemeClr val="lt1"/>
           </a:fontRef>
         </p:style>
         <p:txBody>
@@ -3900,6 +3976,168 @@
           <a:p>
             <a:pPr algn="ctr"/>
             <a:endParaRPr kumimoji="1" lang="ja-JP" altLang="en-US"/>
+          </a:p>
+        </p:txBody>
+      </p:sp>
+      <p:sp>
+        <p:nvSpPr>
+          <p:cNvPr id="82" name="正方形/長方形 81">
+            <a:extLst>
+              <a:ext uri="{FF2B5EF4-FFF2-40B4-BE49-F238E27FC236}">
+                <a16:creationId xmlns:a16="http://schemas.microsoft.com/office/drawing/2014/main" id="{76D93B81-1FBA-464E-A9C8-CE41F932F708}"/>
+              </a:ext>
+            </a:extLst>
+          </p:cNvPr>
+          <p:cNvSpPr/>
+          <p:nvPr/>
+        </p:nvSpPr>
+        <p:spPr>
+          <a:xfrm>
+            <a:off x="19014440" y="30227075"/>
+            <a:ext cx="9509376" cy="827243"/>
+          </a:xfrm>
+          <a:prstGeom prst="rect">
+            <a:avLst/>
+          </a:prstGeom>
+          <a:solidFill>
+            <a:srgbClr val="B14EFF"/>
+          </a:solidFill>
+          <a:ln>
+            <a:solidFill>
+              <a:srgbClr val="B851FF"/>
+            </a:solidFill>
+          </a:ln>
+        </p:spPr>
+        <p:style>
+          <a:lnRef idx="2">
+            <a:schemeClr val="accent1">
+              <a:shade val="50000"/>
+            </a:schemeClr>
+          </a:lnRef>
+          <a:fillRef idx="1">
+            <a:schemeClr val="accent1"/>
+          </a:fillRef>
+          <a:effectRef idx="0">
+            <a:schemeClr val="accent1"/>
+          </a:effectRef>
+          <a:fontRef idx="minor">
+            <a:schemeClr val="lt1"/>
+          </a:fontRef>
+        </p:style>
+        <p:txBody>
+          <a:bodyPr rtlCol="0" anchor="ctr"/>
+          <a:lstStyle/>
+          <a:p>
+            <a:pPr algn="ctr"/>
+            <a:endParaRPr kumimoji="1" lang="ja-JP" altLang="en-US"/>
+          </a:p>
+        </p:txBody>
+      </p:sp>
+      <p:sp>
+        <p:nvSpPr>
+          <p:cNvPr id="78" name="テキスト ボックス 77">
+            <a:extLst>
+              <a:ext uri="{FF2B5EF4-FFF2-40B4-BE49-F238E27FC236}">
+                <a16:creationId xmlns:a16="http://schemas.microsoft.com/office/drawing/2014/main" id="{C66CF64C-96C2-4D45-92D4-2433987102FF}"/>
+              </a:ext>
+            </a:extLst>
+          </p:cNvPr>
+          <p:cNvSpPr txBox="1"/>
+          <p:nvPr/>
+        </p:nvSpPr>
+        <p:spPr>
+          <a:xfrm>
+            <a:off x="19004439" y="31185735"/>
+            <a:ext cx="9453029" cy="1015663"/>
+          </a:xfrm>
+          <a:prstGeom prst="rect">
+            <a:avLst/>
+          </a:prstGeom>
+          <a:noFill/>
+        </p:spPr>
+        <p:txBody>
+          <a:bodyPr wrap="square" rtlCol="0">
+            <a:spAutoFit/>
+          </a:bodyPr>
+          <a:lstStyle/>
+          <a:p>
+            <a:r>
+              <a:rPr lang="en-US" altLang="ja-JP" sz="6000" b="1" dirty="0"/>
+              <a:t>h</a:t>
+            </a:r>
+            <a:r>
+              <a:rPr kumimoji="1" lang="en-US" altLang="ja-JP" sz="6000" b="1" dirty="0"/>
+              <a:t>ttp://</a:t>
+            </a:r>
+            <a:r>
+              <a:rPr kumimoji="1" lang="en-US" altLang="ja-JP" sz="6000" b="1" dirty="0" err="1"/>
+              <a:t>www.XX.com</a:t>
+            </a:r>
+            <a:r>
+              <a:rPr kumimoji="1" lang="en-US" altLang="ja-JP" sz="6000" b="1" dirty="0"/>
+              <a:t>/</a:t>
+            </a:r>
+            <a:r>
+              <a:rPr kumimoji="1" lang="en-US" altLang="ja-JP" sz="6000" b="1" dirty="0" err="1"/>
+              <a:t>YY.html</a:t>
+            </a:r>
+            <a:endParaRPr kumimoji="1" lang="ja-JP" altLang="en-US" sz="6000" b="1" dirty="0"/>
+          </a:p>
+        </p:txBody>
+      </p:sp>
+      <p:sp>
+        <p:nvSpPr>
+          <p:cNvPr id="75" name="テキスト ボックス 74">
+            <a:extLst>
+              <a:ext uri="{FF2B5EF4-FFF2-40B4-BE49-F238E27FC236}">
+                <a16:creationId xmlns:a16="http://schemas.microsoft.com/office/drawing/2014/main" id="{31CE72DC-107B-8148-89B3-519C017B753F}"/>
+              </a:ext>
+            </a:extLst>
+          </p:cNvPr>
+          <p:cNvSpPr txBox="1"/>
+          <p:nvPr/>
+        </p:nvSpPr>
+        <p:spPr>
+          <a:xfrm>
+            <a:off x="19004439" y="30117651"/>
+            <a:ext cx="9453029" cy="1015663"/>
+          </a:xfrm>
+          <a:prstGeom prst="rect">
+            <a:avLst/>
+          </a:prstGeom>
+          <a:noFill/>
+        </p:spPr>
+        <p:txBody>
+          <a:bodyPr wrap="square" rtlCol="0">
+            <a:spAutoFit/>
+          </a:bodyPr>
+          <a:lstStyle/>
+          <a:p>
+            <a:r>
+              <a:rPr lang="en-US" altLang="ja-JP" sz="6000" b="1" dirty="0"/>
+              <a:t>h</a:t>
+            </a:r>
+            <a:r>
+              <a:rPr kumimoji="1" lang="en-US" altLang="ja-JP" sz="6000" b="1" dirty="0"/>
+              <a:t>ttp://</a:t>
+            </a:r>
+            <a:r>
+              <a:rPr kumimoji="1" lang="en-US" altLang="ja-JP" sz="6000" b="1" dirty="0" err="1"/>
+              <a:t>example.co</a:t>
+            </a:r>
+            <a:r>
+              <a:rPr lang="en-US" altLang="ja-JP" sz="6000" b="1" dirty="0" err="1"/>
+              <a:t>m</a:t>
+            </a:r>
+            <a:r>
+              <a:rPr lang="en-US" altLang="ja-JP" sz="6000" b="1" dirty="0"/>
+              <a:t>/</a:t>
+            </a:r>
+            <a:r>
+              <a:rPr lang="en-US" altLang="ja-JP" sz="6000" b="1" dirty="0" err="1"/>
+              <a:t>script.js</a:t>
+            </a:r>
+            <a:endParaRPr kumimoji="1" lang="ja-JP" altLang="en-US" sz="6000" b="1" dirty="0"/>
           </a:p>
         </p:txBody>
       </p:sp>
@@ -3917,8 +4155,8 @@
         </p:nvSpPr>
         <p:spPr>
           <a:xfrm>
-            <a:off x="19697513" y="32669076"/>
-            <a:ext cx="9628494" cy="613631"/>
+            <a:off x="19692902" y="32558091"/>
+            <a:ext cx="9628494" cy="810818"/>
           </a:xfrm>
           <a:prstGeom prst="rect">
             <a:avLst/>
@@ -3959,10 +4197,74 @@
       </p:sp>
       <p:sp>
         <p:nvSpPr>
-          <p:cNvPr id="83" name="正方形/長方形 82">
+          <p:cNvPr id="79" name="テキスト ボックス 78">
             <a:extLst>
               <a:ext uri="{FF2B5EF4-FFF2-40B4-BE49-F238E27FC236}">
-                <a16:creationId xmlns:a16="http://schemas.microsoft.com/office/drawing/2014/main" id="{099DDEED-A96D-6140-ADB5-676D2277BEBB}"/>
+                <a16:creationId xmlns:a16="http://schemas.microsoft.com/office/drawing/2014/main" id="{7C26B49C-690A-4A48-8854-A5F30F7A312A}"/>
+              </a:ext>
+            </a:extLst>
+          </p:cNvPr>
+          <p:cNvSpPr txBox="1"/>
+          <p:nvPr/>
+        </p:nvSpPr>
+        <p:spPr>
+          <a:xfrm>
+            <a:off x="19692902" y="32464231"/>
+            <a:ext cx="9898939" cy="1015663"/>
+          </a:xfrm>
+          <a:prstGeom prst="rect">
+            <a:avLst/>
+          </a:prstGeom>
+          <a:noFill/>
+        </p:spPr>
+        <p:txBody>
+          <a:bodyPr wrap="square" rtlCol="0">
+            <a:spAutoFit/>
+          </a:bodyPr>
+          <a:lstStyle/>
+          <a:p>
+            <a:r>
+              <a:rPr lang="en-US" altLang="ja-JP" sz="6000" b="1" dirty="0"/>
+              <a:t>h</a:t>
+            </a:r>
+            <a:r>
+              <a:rPr kumimoji="1" lang="en-US" altLang="ja-JP" sz="6000" b="1" dirty="0"/>
+              <a:t>ttp://</a:t>
+            </a:r>
+            <a:r>
+              <a:rPr kumimoji="1" lang="en-US" altLang="ja-JP" sz="6000" b="1" dirty="0" err="1"/>
+              <a:t>www.</a:t>
+            </a:r>
+            <a:r>
+              <a:rPr lang="en-US" altLang="ja-JP" sz="6000" b="1" dirty="0" err="1"/>
+              <a:t>ZZ</a:t>
+            </a:r>
+            <a:r>
+              <a:rPr kumimoji="1" lang="en-US" altLang="ja-JP" sz="6000" b="1" dirty="0" err="1"/>
+              <a:t>.com</a:t>
+            </a:r>
+            <a:r>
+              <a:rPr kumimoji="1" lang="en-US" altLang="ja-JP" sz="6000" b="1" dirty="0"/>
+              <a:t>/</a:t>
+            </a:r>
+            <a:r>
+              <a:rPr lang="en-US" altLang="ja-JP" sz="6000" b="1" dirty="0" err="1"/>
+              <a:t>XYZ</a:t>
+            </a:r>
+            <a:r>
+              <a:rPr kumimoji="1" lang="en-US" altLang="ja-JP" sz="6000" b="1" dirty="0" err="1"/>
+              <a:t>.html</a:t>
+            </a:r>
+            <a:endParaRPr kumimoji="1" lang="ja-JP" altLang="en-US" sz="6000" b="1" dirty="0"/>
+          </a:p>
+        </p:txBody>
+      </p:sp>
+      <p:sp>
+        <p:nvSpPr>
+          <p:cNvPr id="89" name="正方形/長方形 88">
+            <a:extLst>
+              <a:ext uri="{FF2B5EF4-FFF2-40B4-BE49-F238E27FC236}">
+                <a16:creationId xmlns:a16="http://schemas.microsoft.com/office/drawing/2014/main" id="{ADD2E692-E63A-2C48-B019-9AAE38CAD426}"/>
               </a:ext>
             </a:extLst>
           </p:cNvPr>
@@ -3971,35 +4273,25 @@
         </p:nvSpPr>
         <p:spPr>
           <a:xfrm>
-            <a:off x="18989953" y="31347596"/>
-            <a:ext cx="9509376" cy="712032"/>
+            <a:off x="473627" y="36228245"/>
+            <a:ext cx="29285386" cy="6122734"/>
           </a:xfrm>
           <a:prstGeom prst="rect">
             <a:avLst/>
           </a:prstGeom>
-          <a:solidFill>
-            <a:srgbClr val="B14EFF"/>
-          </a:solidFill>
-          <a:ln>
-            <a:solidFill>
-              <a:srgbClr val="B851FF"/>
-            </a:solidFill>
-          </a:ln>
         </p:spPr>
         <p:style>
           <a:lnRef idx="2">
-            <a:schemeClr val="accent1">
-              <a:shade val="50000"/>
-            </a:schemeClr>
+            <a:schemeClr val="accent1"/>
           </a:lnRef>
           <a:fillRef idx="1">
-            <a:schemeClr val="accent1"/>
+            <a:schemeClr val="lt1"/>
           </a:fillRef>
           <a:effectRef idx="0">
             <a:schemeClr val="accent1"/>
           </a:effectRef>
           <a:fontRef idx="minor">
-            <a:schemeClr val="lt1"/>
+            <a:schemeClr val="dk1"/>
           </a:fontRef>
         </p:style>
         <p:txBody>
@@ -4013,10 +4305,10 @@
       </p:sp>
       <p:sp>
         <p:nvSpPr>
-          <p:cNvPr id="82" name="正方形/長方形 81">
+          <p:cNvPr id="86" name="正方形/長方形 85">
             <a:extLst>
               <a:ext uri="{FF2B5EF4-FFF2-40B4-BE49-F238E27FC236}">
-                <a16:creationId xmlns:a16="http://schemas.microsoft.com/office/drawing/2014/main" id="{76D93B81-1FBA-464E-A9C8-CE41F932F708}"/>
+                <a16:creationId xmlns:a16="http://schemas.microsoft.com/office/drawing/2014/main" id="{49EEB74E-117D-F54C-8C1E-B8216A4CBD4F}"/>
               </a:ext>
             </a:extLst>
           </p:cNvPr>
@@ -4025,89 +4317,25 @@
         </p:nvSpPr>
         <p:spPr>
           <a:xfrm>
-            <a:off x="18907426" y="30275976"/>
-            <a:ext cx="9509376" cy="712032"/>
+            <a:off x="494903" y="7785460"/>
+            <a:ext cx="29285386" cy="8934006"/>
           </a:xfrm>
           <a:prstGeom prst="rect">
             <a:avLst/>
           </a:prstGeom>
-          <a:solidFill>
-            <a:srgbClr val="B14EFF"/>
-          </a:solidFill>
-          <a:ln>
-            <a:solidFill>
-              <a:srgbClr val="B851FF"/>
-            </a:solidFill>
-          </a:ln>
         </p:spPr>
         <p:style>
           <a:lnRef idx="2">
-            <a:schemeClr val="accent1">
-              <a:shade val="50000"/>
-            </a:schemeClr>
+            <a:schemeClr val="accent1"/>
           </a:lnRef>
           <a:fillRef idx="1">
-            <a:schemeClr val="accent1"/>
+            <a:schemeClr val="lt1"/>
           </a:fillRef>
           <a:effectRef idx="0">
             <a:schemeClr val="accent1"/>
           </a:effectRef>
           <a:fontRef idx="minor">
-            <a:schemeClr val="lt1"/>
-          </a:fontRef>
-        </p:style>
-        <p:txBody>
-          <a:bodyPr rtlCol="0" anchor="ctr"/>
-          <a:lstStyle/>
-          <a:p>
-            <a:pPr algn="ctr"/>
-            <a:endParaRPr kumimoji="1" lang="ja-JP" altLang="en-US"/>
-          </a:p>
-        </p:txBody>
-      </p:sp>
-      <p:sp>
-        <p:nvSpPr>
-          <p:cNvPr id="80" name="正方形/長方形 79">
-            <a:extLst>
-              <a:ext uri="{FF2B5EF4-FFF2-40B4-BE49-F238E27FC236}">
-                <a16:creationId xmlns:a16="http://schemas.microsoft.com/office/drawing/2014/main" id="{A9413DB7-ABE1-E546-8868-165C30CB5093}"/>
-              </a:ext>
-            </a:extLst>
-          </p:cNvPr>
-          <p:cNvSpPr/>
-          <p:nvPr/>
-        </p:nvSpPr>
-        <p:spPr>
-          <a:xfrm>
-            <a:off x="18272124" y="28872629"/>
-            <a:ext cx="10185344" cy="759360"/>
-          </a:xfrm>
-          <a:prstGeom prst="rect">
-            <a:avLst/>
-          </a:prstGeom>
-          <a:solidFill>
-            <a:schemeClr val="accent4"/>
-          </a:solidFill>
-          <a:ln>
-            <a:solidFill>
-              <a:schemeClr val="accent4"/>
-            </a:solidFill>
-          </a:ln>
-        </p:spPr>
-        <p:style>
-          <a:lnRef idx="2">
-            <a:schemeClr val="accent1">
-              <a:shade val="50000"/>
-            </a:schemeClr>
-          </a:lnRef>
-          <a:fillRef idx="1">
-            <a:schemeClr val="accent1"/>
-          </a:fillRef>
-          <a:effectRef idx="0">
-            <a:schemeClr val="accent1"/>
-          </a:effectRef>
-          <a:fontRef idx="minor">
-            <a:schemeClr val="lt1"/>
+            <a:schemeClr val="dk1"/>
           </a:fontRef>
         </p:style>
         <p:txBody>
@@ -6276,7 +6504,7 @@
         <p:spPr>
           <a:xfrm>
             <a:off x="17371010" y="7936944"/>
-            <a:ext cx="11840317" cy="946909"/>
+            <a:ext cx="11840317" cy="1053338"/>
           </a:xfrm>
           <a:prstGeom prst="snipRoundRect">
             <a:avLst/>
@@ -6506,7 +6734,7 @@
         <p:spPr>
           <a:xfrm>
             <a:off x="3277597" y="25627192"/>
-            <a:ext cx="11068105" cy="946909"/>
+            <a:ext cx="11068105" cy="1044725"/>
           </a:xfrm>
           <a:prstGeom prst="snipRoundRect">
             <a:avLst/>
@@ -7397,7 +7625,7 @@
         <p:spPr>
           <a:xfrm>
             <a:off x="17807303" y="25629902"/>
-            <a:ext cx="11068105" cy="946909"/>
+            <a:ext cx="11068105" cy="1083357"/>
           </a:xfrm>
           <a:prstGeom prst="snipRoundRect">
             <a:avLst/>
@@ -7458,676 +7686,427 @@
           </a:p>
         </p:txBody>
       </p:sp>
-      <p:grpSp>
-        <p:nvGrpSpPr>
-          <p:cNvPr id="92" name="グループ化 91">
+      <p:sp>
+        <p:nvSpPr>
+          <p:cNvPr id="64" name="テキスト ボックス 63">
             <a:extLst>
               <a:ext uri="{FF2B5EF4-FFF2-40B4-BE49-F238E27FC236}">
-                <a16:creationId xmlns:a16="http://schemas.microsoft.com/office/drawing/2014/main" id="{6F54A0EA-D618-EC4E-8EEF-502E1B6C6E89}"/>
+                <a16:creationId xmlns:a16="http://schemas.microsoft.com/office/drawing/2014/main" id="{A898CB0A-CC5C-6340-A923-9294B6A14BF5}"/>
               </a:ext>
             </a:extLst>
           </p:cNvPr>
-          <p:cNvGrpSpPr/>
+          <p:cNvSpPr txBox="1"/>
           <p:nvPr/>
-        </p:nvGrpSpPr>
-        <p:grpSpPr>
+        </p:nvSpPr>
+        <p:spPr>
           <a:xfrm>
-            <a:off x="17090869" y="27444584"/>
-            <a:ext cx="12500972" cy="6035310"/>
-            <a:chOff x="17013927" y="26988852"/>
-            <a:chExt cx="12500972" cy="6035310"/>
+            <a:off x="17608861" y="27444584"/>
+            <a:ext cx="7749704" cy="1015663"/>
           </a:xfrm>
-        </p:grpSpPr>
-        <p:sp>
-          <p:nvSpPr>
-            <p:cNvPr id="79" name="テキスト ボックス 78">
-              <a:extLst>
-                <a:ext uri="{FF2B5EF4-FFF2-40B4-BE49-F238E27FC236}">
-                  <a16:creationId xmlns:a16="http://schemas.microsoft.com/office/drawing/2014/main" id="{7C26B49C-690A-4A48-8854-A5F30F7A312A}"/>
-                </a:ext>
-              </a:extLst>
-            </p:cNvPr>
-            <p:cNvSpPr txBox="1"/>
-            <p:nvPr/>
-          </p:nvSpPr>
-          <p:spPr>
-            <a:xfrm>
-              <a:off x="19615960" y="32008499"/>
-              <a:ext cx="9898939" cy="1015663"/>
-            </a:xfrm>
-            <a:prstGeom prst="rect">
-              <a:avLst/>
-            </a:prstGeom>
-            <a:noFill/>
-          </p:spPr>
-          <p:txBody>
-            <a:bodyPr wrap="square" rtlCol="0">
-              <a:spAutoFit/>
-            </a:bodyPr>
-            <a:lstStyle/>
-            <a:p>
-              <a:r>
-                <a:rPr lang="en-US" altLang="ja-JP" sz="6000" b="1" dirty="0"/>
-                <a:t>h</a:t>
-              </a:r>
-              <a:r>
-                <a:rPr kumimoji="1" lang="en-US" altLang="ja-JP" sz="6000" b="1" dirty="0"/>
-                <a:t>ttp://</a:t>
-              </a:r>
-              <a:r>
-                <a:rPr kumimoji="1" lang="en-US" altLang="ja-JP" sz="6000" b="1" dirty="0" err="1"/>
-                <a:t>www.</a:t>
-              </a:r>
-              <a:r>
-                <a:rPr lang="en-US" altLang="ja-JP" sz="6000" b="1" dirty="0" err="1"/>
-                <a:t>ZZ</a:t>
-              </a:r>
-              <a:r>
-                <a:rPr kumimoji="1" lang="en-US" altLang="ja-JP" sz="6000" b="1" dirty="0" err="1"/>
-                <a:t>.com</a:t>
-              </a:r>
-              <a:r>
-                <a:rPr kumimoji="1" lang="en-US" altLang="ja-JP" sz="6000" b="1" dirty="0"/>
-                <a:t>/</a:t>
-              </a:r>
-              <a:r>
-                <a:rPr lang="en-US" altLang="ja-JP" sz="6000" b="1" dirty="0" err="1"/>
-                <a:t>XYZ</a:t>
-              </a:r>
-              <a:r>
-                <a:rPr kumimoji="1" lang="en-US" altLang="ja-JP" sz="6000" b="1" dirty="0" err="1"/>
-                <a:t>.html</a:t>
-              </a:r>
-              <a:endParaRPr kumimoji="1" lang="ja-JP" altLang="en-US" sz="6000" b="1" dirty="0"/>
-            </a:p>
-          </p:txBody>
-        </p:sp>
-        <p:sp>
-          <p:nvSpPr>
-            <p:cNvPr id="75" name="テキスト ボックス 74">
-              <a:extLst>
-                <a:ext uri="{FF2B5EF4-FFF2-40B4-BE49-F238E27FC236}">
-                  <a16:creationId xmlns:a16="http://schemas.microsoft.com/office/drawing/2014/main" id="{31CE72DC-107B-8148-89B3-519C017B753F}"/>
-                </a:ext>
-              </a:extLst>
-            </p:cNvPr>
-            <p:cNvSpPr txBox="1"/>
-            <p:nvPr/>
-          </p:nvSpPr>
-          <p:spPr>
-            <a:xfrm>
-              <a:off x="18927497" y="29661919"/>
-              <a:ext cx="9453029" cy="1015663"/>
-            </a:xfrm>
-            <a:prstGeom prst="rect">
-              <a:avLst/>
-            </a:prstGeom>
-            <a:noFill/>
-          </p:spPr>
-          <p:txBody>
-            <a:bodyPr wrap="square" rtlCol="0">
-              <a:spAutoFit/>
-            </a:bodyPr>
-            <a:lstStyle/>
-            <a:p>
-              <a:r>
-                <a:rPr lang="en-US" altLang="ja-JP" sz="6000" b="1" dirty="0"/>
-                <a:t>h</a:t>
-              </a:r>
-              <a:r>
-                <a:rPr kumimoji="1" lang="en-US" altLang="ja-JP" sz="6000" b="1" dirty="0"/>
-                <a:t>ttp://</a:t>
-              </a:r>
-              <a:r>
-                <a:rPr kumimoji="1" lang="en-US" altLang="ja-JP" sz="6000" b="1" dirty="0" err="1"/>
-                <a:t>example.co</a:t>
-              </a:r>
-              <a:r>
-                <a:rPr lang="en-US" altLang="ja-JP" sz="6000" b="1" dirty="0" err="1"/>
-                <a:t>m</a:t>
-              </a:r>
-              <a:r>
-                <a:rPr lang="en-US" altLang="ja-JP" sz="6000" b="1" dirty="0"/>
-                <a:t>/</a:t>
-              </a:r>
-              <a:r>
-                <a:rPr lang="en-US" altLang="ja-JP" sz="6000" b="1" dirty="0" err="1"/>
-                <a:t>script.js</a:t>
-              </a:r>
-              <a:endParaRPr kumimoji="1" lang="ja-JP" altLang="en-US" sz="6000" b="1" dirty="0"/>
-            </a:p>
-          </p:txBody>
-        </p:sp>
-        <p:sp>
-          <p:nvSpPr>
-            <p:cNvPr id="64" name="テキスト ボックス 63">
-              <a:extLst>
-                <a:ext uri="{FF2B5EF4-FFF2-40B4-BE49-F238E27FC236}">
-                  <a16:creationId xmlns:a16="http://schemas.microsoft.com/office/drawing/2014/main" id="{A898CB0A-CC5C-6340-A923-9294B6A14BF5}"/>
-                </a:ext>
-              </a:extLst>
-            </p:cNvPr>
-            <p:cNvSpPr txBox="1"/>
-            <p:nvPr/>
-          </p:nvSpPr>
-          <p:spPr>
-            <a:xfrm>
-              <a:off x="17531919" y="26988852"/>
-              <a:ext cx="7749704" cy="1015663"/>
-            </a:xfrm>
-            <a:prstGeom prst="rect">
-              <a:avLst/>
-            </a:prstGeom>
-            <a:noFill/>
-          </p:spPr>
-          <p:txBody>
-            <a:bodyPr wrap="square" rtlCol="0">
-              <a:spAutoFit/>
-            </a:bodyPr>
-            <a:lstStyle/>
-            <a:p>
-              <a:r>
-                <a:rPr lang="en-US" altLang="ja-JP" sz="6000" b="1" dirty="0"/>
-                <a:t>h</a:t>
-              </a:r>
-              <a:r>
-                <a:rPr kumimoji="1" lang="en-US" altLang="ja-JP" sz="6000" b="1" dirty="0"/>
-                <a:t>ttp://</a:t>
-              </a:r>
-              <a:r>
-                <a:rPr kumimoji="1" lang="en-US" altLang="ja-JP" sz="6000" b="1" dirty="0" err="1"/>
-                <a:t>example.com</a:t>
-              </a:r>
-              <a:endParaRPr kumimoji="1" lang="ja-JP" altLang="en-US" sz="6000" b="1" dirty="0"/>
-            </a:p>
-          </p:txBody>
-        </p:sp>
-        <p:sp>
-          <p:nvSpPr>
-            <p:cNvPr id="65" name="円/楕円 64">
-              <a:extLst>
-                <a:ext uri="{FF2B5EF4-FFF2-40B4-BE49-F238E27FC236}">
-                  <a16:creationId xmlns:a16="http://schemas.microsoft.com/office/drawing/2014/main" id="{5FEE22F2-A2E9-7043-9CA6-780623486F0F}"/>
-                </a:ext>
-              </a:extLst>
-            </p:cNvPr>
-            <p:cNvSpPr/>
-            <p:nvPr/>
-          </p:nvSpPr>
-          <p:spPr>
-            <a:xfrm>
-              <a:off x="17013927" y="27245155"/>
-              <a:ext cx="453123" cy="503059"/>
-            </a:xfrm>
-            <a:prstGeom prst="ellipse">
-              <a:avLst/>
-            </a:prstGeom>
-          </p:spPr>
-          <p:style>
-            <a:lnRef idx="2">
-              <a:schemeClr val="accent1">
-                <a:shade val="50000"/>
-              </a:schemeClr>
-            </a:lnRef>
-            <a:fillRef idx="1">
-              <a:schemeClr val="accent1"/>
-            </a:fillRef>
-            <a:effectRef idx="0">
-              <a:schemeClr val="accent1"/>
-            </a:effectRef>
-            <a:fontRef idx="minor">
-              <a:schemeClr val="lt1"/>
-            </a:fontRef>
-          </p:style>
-          <p:txBody>
-            <a:bodyPr rtlCol="0" anchor="ctr"/>
-            <a:lstStyle/>
-            <a:p>
-              <a:pPr algn="ctr"/>
-              <a:endParaRPr kumimoji="1" lang="ja-JP" altLang="en-US"/>
-            </a:p>
-          </p:txBody>
-        </p:sp>
-        <p:sp>
-          <p:nvSpPr>
-            <p:cNvPr id="66" name="円/楕円 65">
-              <a:extLst>
-                <a:ext uri="{FF2B5EF4-FFF2-40B4-BE49-F238E27FC236}">
-                  <a16:creationId xmlns:a16="http://schemas.microsoft.com/office/drawing/2014/main" id="{4DCE81E0-5418-0542-93F6-19CA84FDBCED}"/>
-                </a:ext>
-              </a:extLst>
-            </p:cNvPr>
-            <p:cNvSpPr/>
-            <p:nvPr/>
-          </p:nvSpPr>
-          <p:spPr>
-            <a:xfrm>
-              <a:off x="17683924" y="28591065"/>
-              <a:ext cx="453123" cy="503059"/>
-            </a:xfrm>
-            <a:prstGeom prst="ellipse">
-              <a:avLst/>
-            </a:prstGeom>
-          </p:spPr>
-          <p:style>
-            <a:lnRef idx="2">
-              <a:schemeClr val="accent1">
-                <a:shade val="50000"/>
-              </a:schemeClr>
-            </a:lnRef>
-            <a:fillRef idx="1">
-              <a:schemeClr val="accent1"/>
-            </a:fillRef>
-            <a:effectRef idx="0">
-              <a:schemeClr val="accent1"/>
-            </a:effectRef>
-            <a:fontRef idx="minor">
-              <a:schemeClr val="lt1"/>
-            </a:fontRef>
-          </p:style>
-          <p:txBody>
-            <a:bodyPr rtlCol="0" anchor="ctr"/>
-            <a:lstStyle/>
-            <a:p>
-              <a:pPr algn="ctr"/>
-              <a:endParaRPr kumimoji="1" lang="ja-JP" altLang="en-US"/>
-            </a:p>
-          </p:txBody>
-        </p:sp>
-        <p:cxnSp>
-          <p:nvCxnSpPr>
-            <p:cNvPr id="68" name="カギ線コネクタ 67">
-              <a:extLst>
-                <a:ext uri="{FF2B5EF4-FFF2-40B4-BE49-F238E27FC236}">
-                  <a16:creationId xmlns:a16="http://schemas.microsoft.com/office/drawing/2014/main" id="{C52698C1-11A0-C24D-BA26-ABCE66A0DB9A}"/>
-                </a:ext>
-              </a:extLst>
-            </p:cNvPr>
-            <p:cNvCxnSpPr>
-              <a:stCxn id="65" idx="4"/>
-              <a:endCxn id="66" idx="2"/>
-            </p:cNvCxnSpPr>
-            <p:nvPr/>
-          </p:nvCxnSpPr>
-          <p:spPr>
-            <a:xfrm rot="16200000" flipH="1">
-              <a:off x="16915016" y="28073686"/>
-              <a:ext cx="1094381" cy="443435"/>
-            </a:xfrm>
-            <a:prstGeom prst="bentConnector2">
-              <a:avLst/>
-            </a:prstGeom>
-          </p:spPr>
-          <p:style>
-            <a:lnRef idx="1">
-              <a:schemeClr val="accent1"/>
-            </a:lnRef>
-            <a:fillRef idx="0">
-              <a:schemeClr val="accent1"/>
-            </a:fillRef>
-            <a:effectRef idx="0">
-              <a:schemeClr val="accent1"/>
-            </a:effectRef>
-            <a:fontRef idx="minor">
-              <a:schemeClr val="tx1"/>
-            </a:fontRef>
-          </p:style>
-        </p:cxnSp>
-        <p:sp>
-          <p:nvSpPr>
-            <p:cNvPr id="69" name="テキスト ボックス 68">
-              <a:extLst>
-                <a:ext uri="{FF2B5EF4-FFF2-40B4-BE49-F238E27FC236}">
-                  <a16:creationId xmlns:a16="http://schemas.microsoft.com/office/drawing/2014/main" id="{1486B1BC-5A8A-2845-8BB3-9EE10EDA705A}"/>
-                </a:ext>
-              </a:extLst>
-            </p:cNvPr>
-            <p:cNvSpPr txBox="1"/>
-            <p:nvPr/>
-          </p:nvSpPr>
-          <p:spPr>
-            <a:xfrm>
-              <a:off x="18195182" y="28334762"/>
-              <a:ext cx="10185344" cy="1015663"/>
-            </a:xfrm>
-            <a:prstGeom prst="rect">
-              <a:avLst/>
-            </a:prstGeom>
-            <a:noFill/>
-          </p:spPr>
-          <p:txBody>
-            <a:bodyPr wrap="square" rtlCol="0">
-              <a:spAutoFit/>
-            </a:bodyPr>
-            <a:lstStyle/>
-            <a:p>
-              <a:r>
-                <a:rPr lang="en-US" altLang="ja-JP" sz="6000" b="1" dirty="0"/>
-                <a:t>h</a:t>
-              </a:r>
-              <a:r>
-                <a:rPr kumimoji="1" lang="en-US" altLang="ja-JP" sz="6000" b="1" dirty="0"/>
-                <a:t>ttp://</a:t>
-              </a:r>
-              <a:r>
-                <a:rPr kumimoji="1" lang="en-US" altLang="ja-JP" sz="6000" b="1" dirty="0" err="1"/>
-                <a:t>example.co</a:t>
-              </a:r>
-              <a:r>
-                <a:rPr lang="en-US" altLang="ja-JP" sz="6000" b="1" dirty="0" err="1"/>
-                <a:t>m</a:t>
-              </a:r>
-              <a:r>
-                <a:rPr lang="en-US" altLang="ja-JP" sz="6000" b="1" dirty="0"/>
-                <a:t>/</a:t>
-              </a:r>
-              <a:r>
-                <a:rPr lang="en-US" altLang="ja-JP" sz="6000" b="1" dirty="0" err="1"/>
-                <a:t>page.html</a:t>
-              </a:r>
-              <a:endParaRPr kumimoji="1" lang="ja-JP" altLang="en-US" sz="6000" b="1" dirty="0"/>
-            </a:p>
-          </p:txBody>
-        </p:sp>
-        <p:sp>
-          <p:nvSpPr>
-            <p:cNvPr id="71" name="円/楕円 70">
-              <a:extLst>
-                <a:ext uri="{FF2B5EF4-FFF2-40B4-BE49-F238E27FC236}">
-                  <a16:creationId xmlns:a16="http://schemas.microsoft.com/office/drawing/2014/main" id="{A1BB874A-CE0D-F94E-9337-3DBAF77348C5}"/>
-                </a:ext>
-              </a:extLst>
-            </p:cNvPr>
-            <p:cNvSpPr/>
-            <p:nvPr/>
-          </p:nvSpPr>
-          <p:spPr>
-            <a:xfrm>
-              <a:off x="18353919" y="29936628"/>
-              <a:ext cx="453123" cy="503059"/>
-            </a:xfrm>
-            <a:prstGeom prst="ellipse">
-              <a:avLst/>
-            </a:prstGeom>
-          </p:spPr>
-          <p:style>
-            <a:lnRef idx="2">
-              <a:schemeClr val="accent1">
-                <a:shade val="50000"/>
-              </a:schemeClr>
-            </a:lnRef>
-            <a:fillRef idx="1">
-              <a:schemeClr val="accent1"/>
-            </a:fillRef>
-            <a:effectRef idx="0">
-              <a:schemeClr val="accent1"/>
-            </a:effectRef>
-            <a:fontRef idx="minor">
-              <a:schemeClr val="lt1"/>
-            </a:fontRef>
-          </p:style>
-          <p:txBody>
-            <a:bodyPr rtlCol="0" anchor="ctr"/>
-            <a:lstStyle/>
-            <a:p>
-              <a:pPr algn="ctr"/>
-              <a:endParaRPr kumimoji="1" lang="ja-JP" altLang="en-US"/>
-            </a:p>
-          </p:txBody>
-        </p:sp>
-        <p:sp>
-          <p:nvSpPr>
-            <p:cNvPr id="72" name="円/楕円 71">
-              <a:extLst>
-                <a:ext uri="{FF2B5EF4-FFF2-40B4-BE49-F238E27FC236}">
-                  <a16:creationId xmlns:a16="http://schemas.microsoft.com/office/drawing/2014/main" id="{61FCC5CB-F00A-DC41-B2CA-9C94D2E31FB8}"/>
-                </a:ext>
-              </a:extLst>
-            </p:cNvPr>
-            <p:cNvSpPr/>
-            <p:nvPr/>
-          </p:nvSpPr>
-          <p:spPr>
-            <a:xfrm>
-              <a:off x="18353918" y="30974055"/>
-              <a:ext cx="453123" cy="503059"/>
-            </a:xfrm>
-            <a:prstGeom prst="ellipse">
-              <a:avLst/>
-            </a:prstGeom>
-          </p:spPr>
-          <p:style>
-            <a:lnRef idx="2">
-              <a:schemeClr val="accent1">
-                <a:shade val="50000"/>
-              </a:schemeClr>
-            </a:lnRef>
-            <a:fillRef idx="1">
-              <a:schemeClr val="accent1"/>
-            </a:fillRef>
-            <a:effectRef idx="0">
-              <a:schemeClr val="accent1"/>
-            </a:effectRef>
-            <a:fontRef idx="minor">
-              <a:schemeClr val="lt1"/>
-            </a:fontRef>
-          </p:style>
-          <p:txBody>
-            <a:bodyPr rtlCol="0" anchor="ctr"/>
-            <a:lstStyle/>
-            <a:p>
-              <a:pPr algn="ctr"/>
-              <a:endParaRPr kumimoji="1" lang="ja-JP" altLang="en-US"/>
-            </a:p>
-          </p:txBody>
-        </p:sp>
-        <p:cxnSp>
-          <p:nvCxnSpPr>
-            <p:cNvPr id="73" name="カギ線コネクタ 72">
-              <a:extLst>
-                <a:ext uri="{FF2B5EF4-FFF2-40B4-BE49-F238E27FC236}">
-                  <a16:creationId xmlns:a16="http://schemas.microsoft.com/office/drawing/2014/main" id="{714C6D94-4314-C442-8B7C-F38DBCEECD19}"/>
-                </a:ext>
-              </a:extLst>
-            </p:cNvPr>
-            <p:cNvCxnSpPr/>
-            <p:nvPr/>
-          </p:nvCxnSpPr>
-          <p:spPr>
-            <a:xfrm rot="16200000" flipH="1">
-              <a:off x="17585012" y="29407347"/>
-              <a:ext cx="1094381" cy="443435"/>
-            </a:xfrm>
-            <a:prstGeom prst="bentConnector2">
-              <a:avLst/>
-            </a:prstGeom>
-          </p:spPr>
-          <p:style>
-            <a:lnRef idx="1">
-              <a:schemeClr val="accent1"/>
-            </a:lnRef>
-            <a:fillRef idx="0">
-              <a:schemeClr val="accent1"/>
-            </a:fillRef>
-            <a:effectRef idx="0">
-              <a:schemeClr val="accent1"/>
-            </a:effectRef>
-            <a:fontRef idx="minor">
-              <a:schemeClr val="tx1"/>
-            </a:fontRef>
-          </p:style>
-        </p:cxnSp>
-        <p:cxnSp>
-          <p:nvCxnSpPr>
-            <p:cNvPr id="74" name="カギ線コネクタ 73">
-              <a:extLst>
-                <a:ext uri="{FF2B5EF4-FFF2-40B4-BE49-F238E27FC236}">
-                  <a16:creationId xmlns:a16="http://schemas.microsoft.com/office/drawing/2014/main" id="{27C10A72-2A48-7B4E-844F-17CC177AD21D}"/>
-                </a:ext>
-              </a:extLst>
-            </p:cNvPr>
-            <p:cNvCxnSpPr/>
-            <p:nvPr/>
-          </p:nvCxnSpPr>
-          <p:spPr>
-            <a:xfrm rot="16200000" flipH="1">
-              <a:off x="17585012" y="30468927"/>
-              <a:ext cx="1094381" cy="443435"/>
-            </a:xfrm>
-            <a:prstGeom prst="bentConnector2">
-              <a:avLst/>
-            </a:prstGeom>
-          </p:spPr>
-          <p:style>
-            <a:lnRef idx="1">
-              <a:schemeClr val="accent1"/>
-            </a:lnRef>
-            <a:fillRef idx="0">
-              <a:schemeClr val="accent1"/>
-            </a:fillRef>
-            <a:effectRef idx="0">
-              <a:schemeClr val="accent1"/>
-            </a:effectRef>
-            <a:fontRef idx="minor">
-              <a:schemeClr val="tx1"/>
-            </a:fontRef>
-          </p:style>
-        </p:cxnSp>
-        <p:cxnSp>
-          <p:nvCxnSpPr>
-            <p:cNvPr id="76" name="カギ線コネクタ 75">
-              <a:extLst>
-                <a:ext uri="{FF2B5EF4-FFF2-40B4-BE49-F238E27FC236}">
-                  <a16:creationId xmlns:a16="http://schemas.microsoft.com/office/drawing/2014/main" id="{F5E2400B-5F65-D341-AC68-290AAFAA33BD}"/>
-                </a:ext>
-              </a:extLst>
-            </p:cNvPr>
-            <p:cNvCxnSpPr/>
-            <p:nvPr/>
-          </p:nvCxnSpPr>
-          <p:spPr>
-            <a:xfrm rot="16200000" flipH="1">
-              <a:off x="18252815" y="31801873"/>
-              <a:ext cx="1094381" cy="443435"/>
-            </a:xfrm>
-            <a:prstGeom prst="bentConnector2">
-              <a:avLst/>
-            </a:prstGeom>
-          </p:spPr>
-          <p:style>
-            <a:lnRef idx="1">
-              <a:schemeClr val="accent1"/>
-            </a:lnRef>
-            <a:fillRef idx="0">
-              <a:schemeClr val="accent1"/>
-            </a:fillRef>
-            <a:effectRef idx="0">
-              <a:schemeClr val="accent1"/>
-            </a:effectRef>
-            <a:fontRef idx="minor">
-              <a:schemeClr val="tx1"/>
-            </a:fontRef>
-          </p:style>
-        </p:cxnSp>
-        <p:sp>
-          <p:nvSpPr>
-            <p:cNvPr id="77" name="円/楕円 76">
-              <a:extLst>
-                <a:ext uri="{FF2B5EF4-FFF2-40B4-BE49-F238E27FC236}">
-                  <a16:creationId xmlns:a16="http://schemas.microsoft.com/office/drawing/2014/main" id="{F49CCB56-C411-CE45-AEA1-F12BB46DAEFB}"/>
-                </a:ext>
-              </a:extLst>
-            </p:cNvPr>
-            <p:cNvSpPr/>
-            <p:nvPr/>
-          </p:nvSpPr>
-          <p:spPr>
-            <a:xfrm>
-              <a:off x="19043122" y="32287182"/>
-              <a:ext cx="453123" cy="503059"/>
-            </a:xfrm>
-            <a:prstGeom prst="ellipse">
-              <a:avLst/>
-            </a:prstGeom>
-          </p:spPr>
-          <p:style>
-            <a:lnRef idx="2">
-              <a:schemeClr val="accent1">
-                <a:shade val="50000"/>
-              </a:schemeClr>
-            </a:lnRef>
-            <a:fillRef idx="1">
-              <a:schemeClr val="accent1"/>
-            </a:fillRef>
-            <a:effectRef idx="0">
-              <a:schemeClr val="accent1"/>
-            </a:effectRef>
-            <a:fontRef idx="minor">
-              <a:schemeClr val="lt1"/>
-            </a:fontRef>
-          </p:style>
-          <p:txBody>
-            <a:bodyPr rtlCol="0" anchor="ctr"/>
-            <a:lstStyle/>
-            <a:p>
-              <a:pPr algn="ctr"/>
-              <a:endParaRPr kumimoji="1" lang="ja-JP" altLang="en-US"/>
-            </a:p>
-          </p:txBody>
-        </p:sp>
-        <p:sp>
-          <p:nvSpPr>
-            <p:cNvPr id="78" name="テキスト ボックス 77">
-              <a:extLst>
-                <a:ext uri="{FF2B5EF4-FFF2-40B4-BE49-F238E27FC236}">
-                  <a16:creationId xmlns:a16="http://schemas.microsoft.com/office/drawing/2014/main" id="{C66CF64C-96C2-4D45-92D4-2433987102FF}"/>
-                </a:ext>
-              </a:extLst>
-            </p:cNvPr>
-            <p:cNvSpPr txBox="1"/>
-            <p:nvPr/>
-          </p:nvSpPr>
-          <p:spPr>
-            <a:xfrm>
-              <a:off x="18927497" y="30730003"/>
-              <a:ext cx="9453029" cy="1015663"/>
-            </a:xfrm>
-            <a:prstGeom prst="rect">
-              <a:avLst/>
-            </a:prstGeom>
-            <a:noFill/>
-          </p:spPr>
-          <p:txBody>
-            <a:bodyPr wrap="square" rtlCol="0">
-              <a:spAutoFit/>
-            </a:bodyPr>
-            <a:lstStyle/>
-            <a:p>
-              <a:r>
-                <a:rPr lang="en-US" altLang="ja-JP" sz="6000" b="1" dirty="0"/>
-                <a:t>h</a:t>
-              </a:r>
-              <a:r>
-                <a:rPr kumimoji="1" lang="en-US" altLang="ja-JP" sz="6000" b="1" dirty="0"/>
-                <a:t>ttp://</a:t>
-              </a:r>
-              <a:r>
-                <a:rPr kumimoji="1" lang="en-US" altLang="ja-JP" sz="6000" b="1" dirty="0" err="1"/>
-                <a:t>www.XX.com</a:t>
-              </a:r>
-              <a:r>
-                <a:rPr kumimoji="1" lang="en-US" altLang="ja-JP" sz="6000" b="1" dirty="0"/>
-                <a:t>/</a:t>
-              </a:r>
-              <a:r>
-                <a:rPr kumimoji="1" lang="en-US" altLang="ja-JP" sz="6000" b="1" dirty="0" err="1"/>
-                <a:t>YY.html</a:t>
-              </a:r>
-              <a:endParaRPr kumimoji="1" lang="ja-JP" altLang="en-US" sz="6000" b="1" dirty="0"/>
-            </a:p>
-          </p:txBody>
-        </p:sp>
-      </p:grpSp>
+          <a:prstGeom prst="rect">
+            <a:avLst/>
+          </a:prstGeom>
+          <a:noFill/>
+        </p:spPr>
+        <p:txBody>
+          <a:bodyPr wrap="square" rtlCol="0">
+            <a:spAutoFit/>
+          </a:bodyPr>
+          <a:lstStyle/>
+          <a:p>
+            <a:r>
+              <a:rPr lang="en-US" altLang="ja-JP" sz="6000" b="1" dirty="0"/>
+              <a:t>h</a:t>
+            </a:r>
+            <a:r>
+              <a:rPr kumimoji="1" lang="en-US" altLang="ja-JP" sz="6000" b="1" dirty="0"/>
+              <a:t>ttp://</a:t>
+            </a:r>
+            <a:r>
+              <a:rPr kumimoji="1" lang="en-US" altLang="ja-JP" sz="6000" b="1" dirty="0" err="1"/>
+              <a:t>example.com</a:t>
+            </a:r>
+            <a:endParaRPr kumimoji="1" lang="ja-JP" altLang="en-US" sz="6000" b="1" dirty="0"/>
+          </a:p>
+        </p:txBody>
+      </p:sp>
+      <p:sp>
+        <p:nvSpPr>
+          <p:cNvPr id="65" name="円/楕円 64">
+            <a:extLst>
+              <a:ext uri="{FF2B5EF4-FFF2-40B4-BE49-F238E27FC236}">
+                <a16:creationId xmlns:a16="http://schemas.microsoft.com/office/drawing/2014/main" id="{5FEE22F2-A2E9-7043-9CA6-780623486F0F}"/>
+              </a:ext>
+            </a:extLst>
+          </p:cNvPr>
+          <p:cNvSpPr/>
+          <p:nvPr/>
+        </p:nvSpPr>
+        <p:spPr>
+          <a:xfrm>
+            <a:off x="17090869" y="27700887"/>
+            <a:ext cx="453123" cy="503059"/>
+          </a:xfrm>
+          <a:prstGeom prst="ellipse">
+            <a:avLst/>
+          </a:prstGeom>
+        </p:spPr>
+        <p:style>
+          <a:lnRef idx="2">
+            <a:schemeClr val="accent1">
+              <a:shade val="50000"/>
+            </a:schemeClr>
+          </a:lnRef>
+          <a:fillRef idx="1">
+            <a:schemeClr val="accent1"/>
+          </a:fillRef>
+          <a:effectRef idx="0">
+            <a:schemeClr val="accent1"/>
+          </a:effectRef>
+          <a:fontRef idx="minor">
+            <a:schemeClr val="lt1"/>
+          </a:fontRef>
+        </p:style>
+        <p:txBody>
+          <a:bodyPr rtlCol="0" anchor="ctr"/>
+          <a:lstStyle/>
+          <a:p>
+            <a:pPr algn="ctr"/>
+            <a:endParaRPr kumimoji="1" lang="ja-JP" altLang="en-US"/>
+          </a:p>
+        </p:txBody>
+      </p:sp>
+      <p:sp>
+        <p:nvSpPr>
+          <p:cNvPr id="66" name="円/楕円 65">
+            <a:extLst>
+              <a:ext uri="{FF2B5EF4-FFF2-40B4-BE49-F238E27FC236}">
+                <a16:creationId xmlns:a16="http://schemas.microsoft.com/office/drawing/2014/main" id="{4DCE81E0-5418-0542-93F6-19CA84FDBCED}"/>
+              </a:ext>
+            </a:extLst>
+          </p:cNvPr>
+          <p:cNvSpPr/>
+          <p:nvPr/>
+        </p:nvSpPr>
+        <p:spPr>
+          <a:xfrm>
+            <a:off x="17760866" y="29046797"/>
+            <a:ext cx="453123" cy="503059"/>
+          </a:xfrm>
+          <a:prstGeom prst="ellipse">
+            <a:avLst/>
+          </a:prstGeom>
+        </p:spPr>
+        <p:style>
+          <a:lnRef idx="2">
+            <a:schemeClr val="accent1">
+              <a:shade val="50000"/>
+            </a:schemeClr>
+          </a:lnRef>
+          <a:fillRef idx="1">
+            <a:schemeClr val="accent1"/>
+          </a:fillRef>
+          <a:effectRef idx="0">
+            <a:schemeClr val="accent1"/>
+          </a:effectRef>
+          <a:fontRef idx="minor">
+            <a:schemeClr val="lt1"/>
+          </a:fontRef>
+        </p:style>
+        <p:txBody>
+          <a:bodyPr rtlCol="0" anchor="ctr"/>
+          <a:lstStyle/>
+          <a:p>
+            <a:pPr algn="ctr"/>
+            <a:endParaRPr kumimoji="1" lang="ja-JP" altLang="en-US"/>
+          </a:p>
+        </p:txBody>
+      </p:sp>
+      <p:cxnSp>
+        <p:nvCxnSpPr>
+          <p:cNvPr id="68" name="カギ線コネクタ 67">
+            <a:extLst>
+              <a:ext uri="{FF2B5EF4-FFF2-40B4-BE49-F238E27FC236}">
+                <a16:creationId xmlns:a16="http://schemas.microsoft.com/office/drawing/2014/main" id="{C52698C1-11A0-C24D-BA26-ABCE66A0DB9A}"/>
+              </a:ext>
+            </a:extLst>
+          </p:cNvPr>
+          <p:cNvCxnSpPr>
+            <a:stCxn id="65" idx="4"/>
+            <a:endCxn id="66" idx="2"/>
+          </p:cNvCxnSpPr>
+          <p:nvPr/>
+        </p:nvCxnSpPr>
+        <p:spPr>
+          <a:xfrm rot="16200000" flipH="1">
+            <a:off x="16991958" y="28529418"/>
+            <a:ext cx="1094381" cy="443435"/>
+          </a:xfrm>
+          <a:prstGeom prst="bentConnector2">
+            <a:avLst/>
+          </a:prstGeom>
+        </p:spPr>
+        <p:style>
+          <a:lnRef idx="1">
+            <a:schemeClr val="accent1"/>
+          </a:lnRef>
+          <a:fillRef idx="0">
+            <a:schemeClr val="accent1"/>
+          </a:fillRef>
+          <a:effectRef idx="0">
+            <a:schemeClr val="accent1"/>
+          </a:effectRef>
+          <a:fontRef idx="minor">
+            <a:schemeClr val="tx1"/>
+          </a:fontRef>
+        </p:style>
+      </p:cxnSp>
+      <p:sp>
+        <p:nvSpPr>
+          <p:cNvPr id="71" name="円/楕円 70">
+            <a:extLst>
+              <a:ext uri="{FF2B5EF4-FFF2-40B4-BE49-F238E27FC236}">
+                <a16:creationId xmlns:a16="http://schemas.microsoft.com/office/drawing/2014/main" id="{A1BB874A-CE0D-F94E-9337-3DBAF77348C5}"/>
+              </a:ext>
+            </a:extLst>
+          </p:cNvPr>
+          <p:cNvSpPr/>
+          <p:nvPr/>
+        </p:nvSpPr>
+        <p:spPr>
+          <a:xfrm>
+            <a:off x="18430861" y="30392360"/>
+            <a:ext cx="453123" cy="503059"/>
+          </a:xfrm>
+          <a:prstGeom prst="ellipse">
+            <a:avLst/>
+          </a:prstGeom>
+        </p:spPr>
+        <p:style>
+          <a:lnRef idx="2">
+            <a:schemeClr val="accent1">
+              <a:shade val="50000"/>
+            </a:schemeClr>
+          </a:lnRef>
+          <a:fillRef idx="1">
+            <a:schemeClr val="accent1"/>
+          </a:fillRef>
+          <a:effectRef idx="0">
+            <a:schemeClr val="accent1"/>
+          </a:effectRef>
+          <a:fontRef idx="minor">
+            <a:schemeClr val="lt1"/>
+          </a:fontRef>
+        </p:style>
+        <p:txBody>
+          <a:bodyPr rtlCol="0" anchor="ctr"/>
+          <a:lstStyle/>
+          <a:p>
+            <a:pPr algn="ctr"/>
+            <a:endParaRPr kumimoji="1" lang="ja-JP" altLang="en-US"/>
+          </a:p>
+        </p:txBody>
+      </p:sp>
+      <p:sp>
+        <p:nvSpPr>
+          <p:cNvPr id="72" name="円/楕円 71">
+            <a:extLst>
+              <a:ext uri="{FF2B5EF4-FFF2-40B4-BE49-F238E27FC236}">
+                <a16:creationId xmlns:a16="http://schemas.microsoft.com/office/drawing/2014/main" id="{61FCC5CB-F00A-DC41-B2CA-9C94D2E31FB8}"/>
+              </a:ext>
+            </a:extLst>
+          </p:cNvPr>
+          <p:cNvSpPr/>
+          <p:nvPr/>
+        </p:nvSpPr>
+        <p:spPr>
+          <a:xfrm>
+            <a:off x="18430860" y="31429787"/>
+            <a:ext cx="453123" cy="503059"/>
+          </a:xfrm>
+          <a:prstGeom prst="ellipse">
+            <a:avLst/>
+          </a:prstGeom>
+        </p:spPr>
+        <p:style>
+          <a:lnRef idx="2">
+            <a:schemeClr val="accent1">
+              <a:shade val="50000"/>
+            </a:schemeClr>
+          </a:lnRef>
+          <a:fillRef idx="1">
+            <a:schemeClr val="accent1"/>
+          </a:fillRef>
+          <a:effectRef idx="0">
+            <a:schemeClr val="accent1"/>
+          </a:effectRef>
+          <a:fontRef idx="minor">
+            <a:schemeClr val="lt1"/>
+          </a:fontRef>
+        </p:style>
+        <p:txBody>
+          <a:bodyPr rtlCol="0" anchor="ctr"/>
+          <a:lstStyle/>
+          <a:p>
+            <a:pPr algn="ctr"/>
+            <a:endParaRPr kumimoji="1" lang="ja-JP" altLang="en-US"/>
+          </a:p>
+        </p:txBody>
+      </p:sp>
+      <p:cxnSp>
+        <p:nvCxnSpPr>
+          <p:cNvPr id="73" name="カギ線コネクタ 72">
+            <a:extLst>
+              <a:ext uri="{FF2B5EF4-FFF2-40B4-BE49-F238E27FC236}">
+                <a16:creationId xmlns:a16="http://schemas.microsoft.com/office/drawing/2014/main" id="{714C6D94-4314-C442-8B7C-F38DBCEECD19}"/>
+              </a:ext>
+            </a:extLst>
+          </p:cNvPr>
+          <p:cNvCxnSpPr/>
+          <p:nvPr/>
+        </p:nvCxnSpPr>
+        <p:spPr>
+          <a:xfrm rot="16200000" flipH="1">
+            <a:off x="17661954" y="29863079"/>
+            <a:ext cx="1094381" cy="443435"/>
+          </a:xfrm>
+          <a:prstGeom prst="bentConnector2">
+            <a:avLst/>
+          </a:prstGeom>
+        </p:spPr>
+        <p:style>
+          <a:lnRef idx="1">
+            <a:schemeClr val="accent1"/>
+          </a:lnRef>
+          <a:fillRef idx="0">
+            <a:schemeClr val="accent1"/>
+          </a:fillRef>
+          <a:effectRef idx="0">
+            <a:schemeClr val="accent1"/>
+          </a:effectRef>
+          <a:fontRef idx="minor">
+            <a:schemeClr val="tx1"/>
+          </a:fontRef>
+        </p:style>
+      </p:cxnSp>
+      <p:cxnSp>
+        <p:nvCxnSpPr>
+          <p:cNvPr id="74" name="カギ線コネクタ 73">
+            <a:extLst>
+              <a:ext uri="{FF2B5EF4-FFF2-40B4-BE49-F238E27FC236}">
+                <a16:creationId xmlns:a16="http://schemas.microsoft.com/office/drawing/2014/main" id="{27C10A72-2A48-7B4E-844F-17CC177AD21D}"/>
+              </a:ext>
+            </a:extLst>
+          </p:cNvPr>
+          <p:cNvCxnSpPr/>
+          <p:nvPr/>
+        </p:nvCxnSpPr>
+        <p:spPr>
+          <a:xfrm rot="16200000" flipH="1">
+            <a:off x="17661954" y="30924659"/>
+            <a:ext cx="1094381" cy="443435"/>
+          </a:xfrm>
+          <a:prstGeom prst="bentConnector2">
+            <a:avLst/>
+          </a:prstGeom>
+        </p:spPr>
+        <p:style>
+          <a:lnRef idx="1">
+            <a:schemeClr val="accent1"/>
+          </a:lnRef>
+          <a:fillRef idx="0">
+            <a:schemeClr val="accent1"/>
+          </a:fillRef>
+          <a:effectRef idx="0">
+            <a:schemeClr val="accent1"/>
+          </a:effectRef>
+          <a:fontRef idx="minor">
+            <a:schemeClr val="tx1"/>
+          </a:fontRef>
+        </p:style>
+      </p:cxnSp>
+      <p:cxnSp>
+        <p:nvCxnSpPr>
+          <p:cNvPr id="76" name="カギ線コネクタ 75">
+            <a:extLst>
+              <a:ext uri="{FF2B5EF4-FFF2-40B4-BE49-F238E27FC236}">
+                <a16:creationId xmlns:a16="http://schemas.microsoft.com/office/drawing/2014/main" id="{F5E2400B-5F65-D341-AC68-290AAFAA33BD}"/>
+              </a:ext>
+            </a:extLst>
+          </p:cNvPr>
+          <p:cNvCxnSpPr/>
+          <p:nvPr/>
+        </p:nvCxnSpPr>
+        <p:spPr>
+          <a:xfrm rot="16200000" flipH="1">
+            <a:off x="18329757" y="32257605"/>
+            <a:ext cx="1094381" cy="443435"/>
+          </a:xfrm>
+          <a:prstGeom prst="bentConnector2">
+            <a:avLst/>
+          </a:prstGeom>
+        </p:spPr>
+        <p:style>
+          <a:lnRef idx="1">
+            <a:schemeClr val="accent1"/>
+          </a:lnRef>
+          <a:fillRef idx="0">
+            <a:schemeClr val="accent1"/>
+          </a:fillRef>
+          <a:effectRef idx="0">
+            <a:schemeClr val="accent1"/>
+          </a:effectRef>
+          <a:fontRef idx="minor">
+            <a:schemeClr val="tx1"/>
+          </a:fontRef>
+        </p:style>
+      </p:cxnSp>
+      <p:sp>
+        <p:nvSpPr>
+          <p:cNvPr id="77" name="円/楕円 76">
+            <a:extLst>
+              <a:ext uri="{FF2B5EF4-FFF2-40B4-BE49-F238E27FC236}">
+                <a16:creationId xmlns:a16="http://schemas.microsoft.com/office/drawing/2014/main" id="{F49CCB56-C411-CE45-AEA1-F12BB46DAEFB}"/>
+              </a:ext>
+            </a:extLst>
+          </p:cNvPr>
+          <p:cNvSpPr/>
+          <p:nvPr/>
+        </p:nvSpPr>
+        <p:spPr>
+          <a:xfrm>
+            <a:off x="19120064" y="32742914"/>
+            <a:ext cx="453123" cy="503059"/>
+          </a:xfrm>
+          <a:prstGeom prst="ellipse">
+            <a:avLst/>
+          </a:prstGeom>
+        </p:spPr>
+        <p:style>
+          <a:lnRef idx="2">
+            <a:schemeClr val="accent1">
+              <a:shade val="50000"/>
+            </a:schemeClr>
+          </a:lnRef>
+          <a:fillRef idx="1">
+            <a:schemeClr val="accent1"/>
+          </a:fillRef>
+          <a:effectRef idx="0">
+            <a:schemeClr val="accent1"/>
+          </a:effectRef>
+          <a:fontRef idx="minor">
+            <a:schemeClr val="lt1"/>
+          </a:fontRef>
+        </p:style>
+        <p:txBody>
+          <a:bodyPr rtlCol="0" anchor="ctr"/>
+          <a:lstStyle/>
+          <a:p>
+            <a:pPr algn="ctr"/>
+            <a:endParaRPr kumimoji="1" lang="ja-JP" altLang="en-US"/>
+          </a:p>
+        </p:txBody>
+      </p:sp>
     </p:spTree>
     <p:extLst>
       <p:ext uri="{BB962C8B-B14F-4D97-AF65-F5344CB8AC3E}">
